--- a/slides/buildroot.pptx
+++ b/slides/buildroot.pptx
@@ -42,7 +42,7 @@
     <p:sldId id="282" r:id="rId36"/>
   </p:sldIdLst>
   <p:sldSz cx="9144000" cy="6858000" type="screen4x3"/>
-  <p:notesSz cx="6858000" cy="9144000"/>
+  <p:notesSz cx="7099300" cy="10234613"/>
   <p:defaultTextStyle>
     <a:defPPr>
       <a:defRPr lang="en-US"/>
@@ -138,6 +138,11 @@
       </a:defRPr>
     </a:lvl9pPr>
   </p:defaultTextStyle>
+  <p:extLst>
+    <p:ext uri="{EFAFB233-063F-42B5-8137-9DF3F51BA10A}">
+      <p15:sldGuideLst xmlns:p15="http://schemas.microsoft.com/office/powerpoint/2012/main"/>
+    </p:ext>
+  </p:extLst>
 </p:presentation>
 </file>
 
@@ -342,7 +347,7 @@
           <a:p>
             <a:fld id="{9E1E4C47-8EB7-495D-938E-E2CDA69D1F3B}" type="datetimeFigureOut">
               <a:rPr lang="en-US" smtClean="0"/>
-              <a:t>10/16/2014</a:t>
+              <a:t>10/17/2014</a:t>
             </a:fld>
             <a:endParaRPr lang="en-US"/>
           </a:p>
@@ -481,7 +486,7 @@
           <a:p>
             <a:fld id="{9E1E4C47-8EB7-495D-938E-E2CDA69D1F3B}" type="datetimeFigureOut">
               <a:rPr lang="en-US" smtClean="0"/>
-              <a:t>10/16/2014</a:t>
+              <a:t>10/17/2014</a:t>
             </a:fld>
             <a:endParaRPr lang="en-US"/>
           </a:p>
@@ -597,7 +602,7 @@
           <a:p>
             <a:fld id="{9E1E4C47-8EB7-495D-938E-E2CDA69D1F3B}" type="datetimeFigureOut">
               <a:rPr lang="en-US" smtClean="0"/>
-              <a:t>10/16/2014</a:t>
+              <a:t>10/17/2014</a:t>
             </a:fld>
             <a:endParaRPr lang="en-US"/>
           </a:p>
@@ -895,7 +900,7 @@
           <a:p>
             <a:fld id="{9E1E4C47-8EB7-495D-938E-E2CDA69D1F3B}" type="datetimeFigureOut">
               <a:rPr lang="en-US" smtClean="0"/>
-              <a:t>10/16/2014</a:t>
+              <a:t>10/17/2014</a:t>
             </a:fld>
             <a:endParaRPr lang="en-US"/>
           </a:p>
@@ -1173,7 +1178,7 @@
           <a:p>
             <a:fld id="{9E1E4C47-8EB7-495D-938E-E2CDA69D1F3B}" type="datetimeFigureOut">
               <a:rPr lang="en-US" smtClean="0"/>
-              <a:t>10/16/2014</a:t>
+              <a:t>10/17/2014</a:t>
             </a:fld>
             <a:endParaRPr lang="en-US"/>
           </a:p>
@@ -1364,7 +1369,7 @@
           <a:p>
             <a:fld id="{9E1E4C47-8EB7-495D-938E-E2CDA69D1F3B}" type="datetimeFigureOut">
               <a:rPr lang="en-US" smtClean="0"/>
-              <a:t>10/16/2014</a:t>
+              <a:t>10/17/2014</a:t>
             </a:fld>
             <a:endParaRPr lang="en-US"/>
           </a:p>
@@ -1565,7 +1570,7 @@
           <a:p>
             <a:fld id="{9E1E4C47-8EB7-495D-938E-E2CDA69D1F3B}" type="datetimeFigureOut">
               <a:rPr lang="en-US" smtClean="0"/>
-              <a:t>10/16/2014</a:t>
+              <a:t>10/17/2014</a:t>
             </a:fld>
             <a:endParaRPr lang="en-US"/>
           </a:p>
@@ -1828,7 +1833,7 @@
           <a:p>
             <a:fld id="{9E1E4C47-8EB7-495D-938E-E2CDA69D1F3B}" type="datetimeFigureOut">
               <a:rPr lang="en-US" smtClean="0"/>
-              <a:t>10/16/2014</a:t>
+              <a:t>10/17/2014</a:t>
             </a:fld>
             <a:endParaRPr lang="en-US"/>
           </a:p>
@@ -2019,7 +2024,7 @@
           <a:p>
             <a:fld id="{9E1E4C47-8EB7-495D-938E-E2CDA69D1F3B}" type="datetimeFigureOut">
               <a:rPr lang="en-US" smtClean="0"/>
-              <a:t>10/16/2014</a:t>
+              <a:t>10/17/2014</a:t>
             </a:fld>
             <a:endParaRPr lang="en-US"/>
           </a:p>
@@ -2215,7 +2220,7 @@
           <a:p>
             <a:fld id="{9E1E4C47-8EB7-495D-938E-E2CDA69D1F3B}" type="datetimeFigureOut">
               <a:rPr lang="en-US" smtClean="0"/>
-              <a:t>10/16/2014</a:t>
+              <a:t>10/17/2014</a:t>
             </a:fld>
             <a:endParaRPr lang="en-US"/>
           </a:p>
@@ -2414,7 +2419,7 @@
           <a:p>
             <a:fld id="{9E1E4C47-8EB7-495D-938E-E2CDA69D1F3B}" type="datetimeFigureOut">
               <a:rPr lang="en-US" smtClean="0"/>
-              <a:t>10/16/2014</a:t>
+              <a:t>10/17/2014</a:t>
             </a:fld>
             <a:endParaRPr lang="en-US"/>
           </a:p>
@@ -2605,7 +2610,7 @@
           <a:p>
             <a:fld id="{9E1E4C47-8EB7-495D-938E-E2CDA69D1F3B}" type="datetimeFigureOut">
               <a:rPr lang="en-US" smtClean="0"/>
-              <a:t>10/16/2014</a:t>
+              <a:t>10/17/2014</a:t>
             </a:fld>
             <a:endParaRPr lang="en-US"/>
           </a:p>
@@ -2872,7 +2877,7 @@
           <a:p>
             <a:fld id="{9E1E4C47-8EB7-495D-938E-E2CDA69D1F3B}" type="datetimeFigureOut">
               <a:rPr lang="en-US" smtClean="0"/>
-              <a:t>10/16/2014</a:t>
+              <a:t>10/17/2014</a:t>
             </a:fld>
             <a:endParaRPr lang="en-US"/>
           </a:p>
@@ -3181,7 +3186,7 @@
           <a:p>
             <a:fld id="{9E1E4C47-8EB7-495D-938E-E2CDA69D1F3B}" type="datetimeFigureOut">
               <a:rPr lang="en-US" smtClean="0"/>
-              <a:t>10/16/2014</a:t>
+              <a:t>10/17/2014</a:t>
             </a:fld>
             <a:endParaRPr lang="en-US"/>
           </a:p>
@@ -3624,7 +3629,7 @@
           <a:p>
             <a:fld id="{9E1E4C47-8EB7-495D-938E-E2CDA69D1F3B}" type="datetimeFigureOut">
               <a:rPr lang="en-US" smtClean="0"/>
-              <a:t>10/16/2014</a:t>
+              <a:t>10/17/2014</a:t>
             </a:fld>
             <a:endParaRPr lang="en-US"/>
           </a:p>
@@ -3881,7 +3886,7 @@
           <a:p>
             <a:fld id="{9E1E4C47-8EB7-495D-938E-E2CDA69D1F3B}" type="datetimeFigureOut">
               <a:rPr lang="en-US" smtClean="0"/>
-              <a:t>10/16/2014</a:t>
+              <a:t>10/17/2014</a:t>
             </a:fld>
             <a:endParaRPr lang="en-US"/>
           </a:p>
@@ -7062,7 +7067,17 @@
                 <a:latin typeface="Consolas" panose="020B0609020204030204" pitchFamily="49" charset="0"/>
                 <a:cs typeface="Consolas" panose="020B0609020204030204" pitchFamily="49" charset="0"/>
               </a:rPr>
-              <a:t>/</a:t>
+              <a:t>/output/images/</a:t>
+            </a:r>
+            <a:r>
+              <a:rPr lang="en-US" sz="1350" dirty="0" err="1" smtClean="0">
+                <a:solidFill>
+                  <a:srgbClr val="7030A0"/>
+                </a:solidFill>
+                <a:latin typeface="Consolas" panose="020B0609020204030204" pitchFamily="49" charset="0"/>
+                <a:cs typeface="Consolas" panose="020B0609020204030204" pitchFamily="49" charset="0"/>
+              </a:rPr>
+              <a:t>rpi</a:t>
             </a:r>
             <a:r>
               <a:rPr lang="en-US" sz="1350" dirty="0" smtClean="0">
@@ -7072,7 +7087,7 @@
                 <a:latin typeface="Consolas" panose="020B0609020204030204" pitchFamily="49" charset="0"/>
                 <a:cs typeface="Consolas" panose="020B0609020204030204" pitchFamily="49" charset="0"/>
               </a:rPr>
-              <a:t>output/images/</a:t>
+              <a:t>-firmware/* /</a:t>
             </a:r>
             <a:r>
               <a:rPr lang="en-US" sz="1350" dirty="0" err="1" smtClean="0">
@@ -7082,7 +7097,7 @@
                 <a:latin typeface="Consolas" panose="020B0609020204030204" pitchFamily="49" charset="0"/>
                 <a:cs typeface="Consolas" panose="020B0609020204030204" pitchFamily="49" charset="0"/>
               </a:rPr>
-              <a:t>rpi</a:t>
+              <a:t>mnt</a:t>
             </a:r>
             <a:r>
               <a:rPr lang="en-US" sz="1350" dirty="0" smtClean="0">
@@ -7092,7 +7107,19 @@
                 <a:latin typeface="Consolas" panose="020B0609020204030204" pitchFamily="49" charset="0"/>
                 <a:cs typeface="Consolas" panose="020B0609020204030204" pitchFamily="49" charset="0"/>
               </a:rPr>
-              <a:t>-firmware/* /</a:t>
+              <a:t>/boot</a:t>
+            </a:r>
+          </a:p>
+          <a:p>
+            <a:r>
+              <a:rPr lang="en-US" sz="1350" dirty="0" smtClean="0">
+                <a:solidFill>
+                  <a:srgbClr val="7030A0"/>
+                </a:solidFill>
+                <a:latin typeface="Consolas" panose="020B0609020204030204" pitchFamily="49" charset="0"/>
+                <a:cs typeface="Consolas" panose="020B0609020204030204" pitchFamily="49" charset="0"/>
+              </a:rPr>
+              <a:t>$ </a:t>
             </a:r>
             <a:r>
               <a:rPr lang="en-US" sz="1350" dirty="0" err="1" smtClean="0">
@@ -7102,7 +7129,7 @@
                 <a:latin typeface="Consolas" panose="020B0609020204030204" pitchFamily="49" charset="0"/>
                 <a:cs typeface="Consolas" panose="020B0609020204030204" pitchFamily="49" charset="0"/>
               </a:rPr>
-              <a:t>mnt</a:t>
+              <a:t>sudo</a:t>
             </a:r>
             <a:r>
               <a:rPr lang="en-US" sz="1350" dirty="0" smtClean="0">
@@ -7112,10 +7139,18 @@
                 <a:latin typeface="Consolas" panose="020B0609020204030204" pitchFamily="49" charset="0"/>
                 <a:cs typeface="Consolas" panose="020B0609020204030204" pitchFamily="49" charset="0"/>
               </a:rPr>
-              <a:t>/boot</a:t>
-            </a:r>
-          </a:p>
-          <a:p>
+              <a:t> tar -</a:t>
+            </a:r>
+            <a:r>
+              <a:rPr lang="en-US" sz="1350" dirty="0" err="1" smtClean="0">
+                <a:solidFill>
+                  <a:srgbClr val="7030A0"/>
+                </a:solidFill>
+                <a:latin typeface="Consolas" panose="020B0609020204030204" pitchFamily="49" charset="0"/>
+                <a:cs typeface="Consolas" panose="020B0609020204030204" pitchFamily="49" charset="0"/>
+              </a:rPr>
+              <a:t>xpsf</a:t>
+            </a:r>
             <a:r>
               <a:rPr lang="en-US" sz="1350" dirty="0" smtClean="0">
                 <a:solidFill>
@@ -7124,7 +7159,7 @@
                 <a:latin typeface="Consolas" panose="020B0609020204030204" pitchFamily="49" charset="0"/>
                 <a:cs typeface="Consolas" panose="020B0609020204030204" pitchFamily="49" charset="0"/>
               </a:rPr>
-              <a:t>$ </a:t>
+              <a:t> </a:t>
             </a:r>
             <a:r>
               <a:rPr lang="en-US" sz="1350" dirty="0" err="1" smtClean="0">
@@ -7134,7 +7169,7 @@
                 <a:latin typeface="Consolas" panose="020B0609020204030204" pitchFamily="49" charset="0"/>
                 <a:cs typeface="Consolas" panose="020B0609020204030204" pitchFamily="49" charset="0"/>
               </a:rPr>
-              <a:t>sudo</a:t>
+              <a:t>buildroot</a:t>
             </a:r>
             <a:r>
               <a:rPr lang="en-US" sz="1350" dirty="0" smtClean="0">
@@ -7144,57 +7179,7 @@
                 <a:latin typeface="Consolas" panose="020B0609020204030204" pitchFamily="49" charset="0"/>
                 <a:cs typeface="Consolas" panose="020B0609020204030204" pitchFamily="49" charset="0"/>
               </a:rPr>
-              <a:t> tar -</a:t>
-            </a:r>
-            <a:r>
-              <a:rPr lang="en-US" sz="1350" dirty="0" err="1" smtClean="0">
-                <a:solidFill>
-                  <a:srgbClr val="7030A0"/>
-                </a:solidFill>
-                <a:latin typeface="Consolas" panose="020B0609020204030204" pitchFamily="49" charset="0"/>
-                <a:cs typeface="Consolas" panose="020B0609020204030204" pitchFamily="49" charset="0"/>
-              </a:rPr>
-              <a:t>xpsf</a:t>
-            </a:r>
-            <a:r>
-              <a:rPr lang="en-US" sz="1350" dirty="0" smtClean="0">
-                <a:solidFill>
-                  <a:srgbClr val="7030A0"/>
-                </a:solidFill>
-                <a:latin typeface="Consolas" panose="020B0609020204030204" pitchFamily="49" charset="0"/>
-                <a:cs typeface="Consolas" panose="020B0609020204030204" pitchFamily="49" charset="0"/>
-              </a:rPr>
-              <a:t> </a:t>
-            </a:r>
-            <a:r>
-              <a:rPr lang="en-US" sz="1350" dirty="0" err="1" smtClean="0">
-                <a:solidFill>
-                  <a:srgbClr val="7030A0"/>
-                </a:solidFill>
-                <a:latin typeface="Consolas" panose="020B0609020204030204" pitchFamily="49" charset="0"/>
-                <a:cs typeface="Consolas" panose="020B0609020204030204" pitchFamily="49" charset="0"/>
-              </a:rPr>
-              <a:t>buildroot</a:t>
-            </a:r>
-            <a:r>
-              <a:rPr lang="en-US" sz="1350" dirty="0" smtClean="0">
-                <a:solidFill>
-                  <a:srgbClr val="7030A0"/>
-                </a:solidFill>
-                <a:latin typeface="Consolas" panose="020B0609020204030204" pitchFamily="49" charset="0"/>
-                <a:cs typeface="Consolas" panose="020B0609020204030204" pitchFamily="49" charset="0"/>
-              </a:rPr>
-              <a:t>/</a:t>
-            </a:r>
-            <a:r>
-              <a:rPr lang="en-US" sz="1350" dirty="0" smtClean="0">
-                <a:solidFill>
-                  <a:srgbClr val="7030A0"/>
-                </a:solidFill>
-                <a:latin typeface="Consolas" panose="020B0609020204030204" pitchFamily="49" charset="0"/>
-                <a:cs typeface="Consolas" panose="020B0609020204030204" pitchFamily="49" charset="0"/>
-              </a:rPr>
-              <a:t>output/images/rootfs.tar -C /</a:t>
+              <a:t>/output/images/rootfs.tar -C /</a:t>
             </a:r>
             <a:r>
               <a:rPr lang="en-US" sz="1350" dirty="0" err="1" smtClean="0">
@@ -7896,17 +7881,7 @@
                 <a:latin typeface="Consolas" panose="020B0609020204030204" pitchFamily="49" charset="0"/>
                 <a:cs typeface="Consolas" panose="020B0609020204030204" pitchFamily="49" charset="0"/>
               </a:rPr>
-              <a:t> </a:t>
-            </a:r>
-            <a:r>
-              <a:rPr lang="en-US" sz="1350" dirty="0" smtClean="0">
-                <a:solidFill>
-                  <a:srgbClr val="7030A0"/>
-                </a:solidFill>
-                <a:latin typeface="Consolas" panose="020B0609020204030204" pitchFamily="49" charset="0"/>
-                <a:cs typeface="Consolas" panose="020B0609020204030204" pitchFamily="49" charset="0"/>
-              </a:rPr>
-              <a:t>/media/</a:t>
+              <a:t> /media/</a:t>
             </a:r>
             <a:r>
               <a:rPr lang="en-US" sz="1350" dirty="0" err="1" smtClean="0">
@@ -9238,49 +9213,8 @@
                 <a:ea typeface="+mj-ea"/>
                 <a:cs typeface="+mj-cs"/>
               </a:rPr>
-              <a:t>Custom</a:t>
-            </a:r>
-            <a:r>
-              <a:rPr lang="en-US" sz="2400" kern="1200" dirty="0">
-                <a:solidFill>
-                  <a:schemeClr val="tx1"/>
-                </a:solidFill>
-                <a:latin typeface="+mj-lt"/>
-                <a:ea typeface="+mj-ea"/>
-                <a:cs typeface="+mj-cs"/>
-              </a:rPr>
-              <a:t> </a:t>
-            </a:r>
-            <a:r>
-              <a:rPr lang="en-US" sz="2400" kern="1200" dirty="0">
-                <a:solidFill>
-                  <a:schemeClr val="tx1"/>
-                </a:solidFill>
-                <a:latin typeface="+mj-lt"/>
-                <a:ea typeface="+mj-ea"/>
-                <a:cs typeface="+mj-cs"/>
-              </a:rPr>
-              <a:t>Root</a:t>
-            </a:r>
-            <a:r>
-              <a:rPr lang="en-US" sz="2400" kern="1200" dirty="0">
-                <a:solidFill>
-                  <a:schemeClr val="tx1"/>
-                </a:solidFill>
-                <a:latin typeface="+mj-lt"/>
-                <a:ea typeface="+mj-ea"/>
-                <a:cs typeface="+mj-cs"/>
-              </a:rPr>
-              <a:t> File System</a:t>
-            </a:r>
-            <a:endParaRPr lang="en-US" sz="2400" kern="1200" dirty="0">
-              <a:solidFill>
-                <a:schemeClr val="tx1"/>
-              </a:solidFill>
-              <a:latin typeface="+mj-lt"/>
-              <a:ea typeface="+mj-ea"/>
-              <a:cs typeface="+mj-cs"/>
-            </a:endParaRPr>
+              <a:t>Custom Root File System</a:t>
+            </a:r>
           </a:p>
         </p:txBody>
       </p:sp>
@@ -9499,49 +9433,8 @@
                 <a:ea typeface="+mj-ea"/>
                 <a:cs typeface="+mj-cs"/>
               </a:rPr>
-              <a:t>Custom</a:t>
-            </a:r>
-            <a:r>
-              <a:rPr lang="en-US" sz="2400" kern="1200" dirty="0">
-                <a:solidFill>
-                  <a:schemeClr val="tx1"/>
-                </a:solidFill>
-                <a:latin typeface="+mj-lt"/>
-                <a:ea typeface="+mj-ea"/>
-                <a:cs typeface="+mj-cs"/>
-              </a:rPr>
-              <a:t> </a:t>
-            </a:r>
-            <a:r>
-              <a:rPr lang="en-US" sz="2400" kern="1200" dirty="0">
-                <a:solidFill>
-                  <a:schemeClr val="tx1"/>
-                </a:solidFill>
-                <a:latin typeface="+mj-lt"/>
-                <a:ea typeface="+mj-ea"/>
-                <a:cs typeface="+mj-cs"/>
-              </a:rPr>
-              <a:t>Root</a:t>
-            </a:r>
-            <a:r>
-              <a:rPr lang="en-US" sz="2400" kern="1200" dirty="0">
-                <a:solidFill>
-                  <a:schemeClr val="tx1"/>
-                </a:solidFill>
-                <a:latin typeface="+mj-lt"/>
-                <a:ea typeface="+mj-ea"/>
-                <a:cs typeface="+mj-cs"/>
-              </a:rPr>
-              <a:t> File System</a:t>
-            </a:r>
-            <a:endParaRPr lang="en-US" sz="2400" kern="1200" dirty="0">
-              <a:solidFill>
-                <a:schemeClr val="tx1"/>
-              </a:solidFill>
-              <a:latin typeface="+mj-lt"/>
-              <a:ea typeface="+mj-ea"/>
-              <a:cs typeface="+mj-cs"/>
-            </a:endParaRPr>
+              <a:t>Custom Root File System</a:t>
+            </a:r>
           </a:p>
         </p:txBody>
       </p:sp>
@@ -9916,49 +9809,8 @@
                 <a:ea typeface="+mj-ea"/>
                 <a:cs typeface="+mj-cs"/>
               </a:rPr>
-              <a:t>Custom</a:t>
-            </a:r>
-            <a:r>
-              <a:rPr lang="en-US" sz="2400" kern="1200" dirty="0">
-                <a:solidFill>
-                  <a:schemeClr val="tx1"/>
-                </a:solidFill>
-                <a:latin typeface="+mj-lt"/>
-                <a:ea typeface="+mj-ea"/>
-                <a:cs typeface="+mj-cs"/>
-              </a:rPr>
-              <a:t> </a:t>
-            </a:r>
-            <a:r>
-              <a:rPr lang="en-US" sz="2400" kern="1200" dirty="0">
-                <a:solidFill>
-                  <a:schemeClr val="tx1"/>
-                </a:solidFill>
-                <a:latin typeface="+mj-lt"/>
-                <a:ea typeface="+mj-ea"/>
-                <a:cs typeface="+mj-cs"/>
-              </a:rPr>
-              <a:t>Root</a:t>
-            </a:r>
-            <a:r>
-              <a:rPr lang="en-US" sz="2400" kern="1200" dirty="0">
-                <a:solidFill>
-                  <a:schemeClr val="tx1"/>
-                </a:solidFill>
-                <a:latin typeface="+mj-lt"/>
-                <a:ea typeface="+mj-ea"/>
-                <a:cs typeface="+mj-cs"/>
-              </a:rPr>
-              <a:t> File System</a:t>
-            </a:r>
-            <a:endParaRPr lang="en-US" sz="2400" kern="1200" dirty="0">
-              <a:solidFill>
-                <a:schemeClr val="tx1"/>
-              </a:solidFill>
-              <a:latin typeface="+mj-lt"/>
-              <a:ea typeface="+mj-ea"/>
-              <a:cs typeface="+mj-cs"/>
-            </a:endParaRPr>
+              <a:t>Custom Root File System</a:t>
+            </a:r>
           </a:p>
         </p:txBody>
       </p:sp>
@@ -10696,13 +10548,8 @@
           <a:p>
             <a:r>
               <a:rPr lang="en-US" dirty="0"/>
-              <a:t>Adding</a:t>
-            </a:r>
-            <a:r>
-              <a:rPr lang="en-US" dirty="0"/>
-              <a:t> an SSH daemon</a:t>
-            </a:r>
-            <a:endParaRPr lang="en-US" dirty="0"/>
+              <a:t>Adding an SSH daemon</a:t>
+            </a:r>
           </a:p>
         </p:txBody>
       </p:sp>
@@ -11248,16 +11095,51 @@
           <a:p>
             <a:r>
               <a:rPr lang="en-US" dirty="0" smtClean="0"/>
-              <a:t>Based on well-known technologies: </a:t>
-            </a:r>
+              <a:t>Based on well-known </a:t>
+            </a:r>
+            <a:r>
+              <a:rPr lang="en-US" dirty="0" smtClean="0"/>
+              <a:t>technologies:</a:t>
+            </a:r>
+          </a:p>
+          <a:p>
+            <a:pPr lvl="1"/>
             <a:r>
               <a:rPr lang="en-US" dirty="0" err="1" smtClean="0"/>
               <a:t>kconfig</a:t>
             </a:r>
             <a:r>
               <a:rPr lang="en-US" dirty="0" smtClean="0"/>
-              <a:t> for the configuration interface and language, make for the build logic.</a:t>
-            </a:r>
+              <a:t> </a:t>
+            </a:r>
+            <a:r>
+              <a:rPr lang="en-US" dirty="0" smtClean="0"/>
+              <a:t>for the configuration interface and </a:t>
+            </a:r>
+            <a:r>
+              <a:rPr lang="en-US" dirty="0" smtClean="0"/>
+              <a:t>language</a:t>
+            </a:r>
+          </a:p>
+          <a:p>
+            <a:pPr lvl="1"/>
+            <a:r>
+              <a:rPr lang="en-US" smtClean="0"/>
+              <a:t>make </a:t>
+            </a:r>
+            <a:r>
+              <a:rPr lang="en-US" dirty="0" smtClean="0"/>
+              <a:t>for the </a:t>
+            </a:r>
+            <a:r>
+              <a:rPr lang="en-US" smtClean="0"/>
+              <a:t>build </a:t>
+            </a:r>
+            <a:r>
+              <a:rPr lang="en-US" smtClean="0"/>
+              <a:t>logic</a:t>
+            </a:r>
+            <a:endParaRPr lang="en-US" dirty="0" smtClean="0"/>
           </a:p>
           <a:p>
             <a:pPr lvl="1"/>
@@ -11539,15 +11421,7 @@
           <a:p>
             <a:r>
               <a:rPr lang="en-US" dirty="0"/>
-              <a:t>Adding </a:t>
-            </a:r>
-            <a:r>
-              <a:rPr lang="en-US" dirty="0"/>
-              <a:t>an</a:t>
-            </a:r>
-            <a:r>
-              <a:rPr lang="en-US" dirty="0"/>
-              <a:t> SSH daemon</a:t>
+              <a:t>Adding an SSH daemon</a:t>
             </a:r>
           </a:p>
         </p:txBody>

--- a/slides/buildroot.pptx
+++ b/slides/buildroot.pptx
@@ -32,14 +32,16 @@
     <p:sldId id="287" r:id="rId26"/>
     <p:sldId id="286" r:id="rId27"/>
     <p:sldId id="288" r:id="rId28"/>
-    <p:sldId id="277" r:id="rId29"/>
-    <p:sldId id="279" r:id="rId30"/>
-    <p:sldId id="289" r:id="rId31"/>
-    <p:sldId id="281" r:id="rId32"/>
-    <p:sldId id="290" r:id="rId33"/>
-    <p:sldId id="292" r:id="rId34"/>
-    <p:sldId id="291" r:id="rId35"/>
-    <p:sldId id="282" r:id="rId36"/>
+    <p:sldId id="293" r:id="rId29"/>
+    <p:sldId id="294" r:id="rId30"/>
+    <p:sldId id="277" r:id="rId31"/>
+    <p:sldId id="279" r:id="rId32"/>
+    <p:sldId id="289" r:id="rId33"/>
+    <p:sldId id="281" r:id="rId34"/>
+    <p:sldId id="290" r:id="rId35"/>
+    <p:sldId id="292" r:id="rId36"/>
+    <p:sldId id="291" r:id="rId37"/>
+    <p:sldId id="282" r:id="rId38"/>
   </p:sldIdLst>
   <p:sldSz cx="9144000" cy="6858000" type="screen4x3"/>
   <p:notesSz cx="7099300" cy="10234613"/>
@@ -347,7 +349,7 @@
           <a:p>
             <a:fld id="{9E1E4C47-8EB7-495D-938E-E2CDA69D1F3B}" type="datetimeFigureOut">
               <a:rPr lang="en-US" smtClean="0"/>
-              <a:t>10/17/2014</a:t>
+              <a:t>11/21/2014</a:t>
             </a:fld>
             <a:endParaRPr lang="en-US"/>
           </a:p>
@@ -486,7 +488,7 @@
           <a:p>
             <a:fld id="{9E1E4C47-8EB7-495D-938E-E2CDA69D1F3B}" type="datetimeFigureOut">
               <a:rPr lang="en-US" smtClean="0"/>
-              <a:t>10/17/2014</a:t>
+              <a:t>11/21/2014</a:t>
             </a:fld>
             <a:endParaRPr lang="en-US"/>
           </a:p>
@@ -602,7 +604,7 @@
           <a:p>
             <a:fld id="{9E1E4C47-8EB7-495D-938E-E2CDA69D1F3B}" type="datetimeFigureOut">
               <a:rPr lang="en-US" smtClean="0"/>
-              <a:t>10/17/2014</a:t>
+              <a:t>11/21/2014</a:t>
             </a:fld>
             <a:endParaRPr lang="en-US"/>
           </a:p>
@@ -900,7 +902,7 @@
           <a:p>
             <a:fld id="{9E1E4C47-8EB7-495D-938E-E2CDA69D1F3B}" type="datetimeFigureOut">
               <a:rPr lang="en-US" smtClean="0"/>
-              <a:t>10/17/2014</a:t>
+              <a:t>11/21/2014</a:t>
             </a:fld>
             <a:endParaRPr lang="en-US"/>
           </a:p>
@@ -1178,7 +1180,7 @@
           <a:p>
             <a:fld id="{9E1E4C47-8EB7-495D-938E-E2CDA69D1F3B}" type="datetimeFigureOut">
               <a:rPr lang="en-US" smtClean="0"/>
-              <a:t>10/17/2014</a:t>
+              <a:t>11/21/2014</a:t>
             </a:fld>
             <a:endParaRPr lang="en-US"/>
           </a:p>
@@ -1369,7 +1371,7 @@
           <a:p>
             <a:fld id="{9E1E4C47-8EB7-495D-938E-E2CDA69D1F3B}" type="datetimeFigureOut">
               <a:rPr lang="en-US" smtClean="0"/>
-              <a:t>10/17/2014</a:t>
+              <a:t>11/21/2014</a:t>
             </a:fld>
             <a:endParaRPr lang="en-US"/>
           </a:p>
@@ -1570,7 +1572,7 @@
           <a:p>
             <a:fld id="{9E1E4C47-8EB7-495D-938E-E2CDA69D1F3B}" type="datetimeFigureOut">
               <a:rPr lang="en-US" smtClean="0"/>
-              <a:t>10/17/2014</a:t>
+              <a:t>11/21/2014</a:t>
             </a:fld>
             <a:endParaRPr lang="en-US"/>
           </a:p>
@@ -1833,7 +1835,7 @@
           <a:p>
             <a:fld id="{9E1E4C47-8EB7-495D-938E-E2CDA69D1F3B}" type="datetimeFigureOut">
               <a:rPr lang="en-US" smtClean="0"/>
-              <a:t>10/17/2014</a:t>
+              <a:t>11/21/2014</a:t>
             </a:fld>
             <a:endParaRPr lang="en-US"/>
           </a:p>
@@ -2024,7 +2026,7 @@
           <a:p>
             <a:fld id="{9E1E4C47-8EB7-495D-938E-E2CDA69D1F3B}" type="datetimeFigureOut">
               <a:rPr lang="en-US" smtClean="0"/>
-              <a:t>10/17/2014</a:t>
+              <a:t>11/21/2014</a:t>
             </a:fld>
             <a:endParaRPr lang="en-US"/>
           </a:p>
@@ -2220,7 +2222,7 @@
           <a:p>
             <a:fld id="{9E1E4C47-8EB7-495D-938E-E2CDA69D1F3B}" type="datetimeFigureOut">
               <a:rPr lang="en-US" smtClean="0"/>
-              <a:t>10/17/2014</a:t>
+              <a:t>11/21/2014</a:t>
             </a:fld>
             <a:endParaRPr lang="en-US"/>
           </a:p>
@@ -2419,7 +2421,7 @@
           <a:p>
             <a:fld id="{9E1E4C47-8EB7-495D-938E-E2CDA69D1F3B}" type="datetimeFigureOut">
               <a:rPr lang="en-US" smtClean="0"/>
-              <a:t>10/17/2014</a:t>
+              <a:t>11/21/2014</a:t>
             </a:fld>
             <a:endParaRPr lang="en-US"/>
           </a:p>
@@ -2610,7 +2612,7 @@
           <a:p>
             <a:fld id="{9E1E4C47-8EB7-495D-938E-E2CDA69D1F3B}" type="datetimeFigureOut">
               <a:rPr lang="en-US" smtClean="0"/>
-              <a:t>10/17/2014</a:t>
+              <a:t>11/21/2014</a:t>
             </a:fld>
             <a:endParaRPr lang="en-US"/>
           </a:p>
@@ -2877,7 +2879,7 @@
           <a:p>
             <a:fld id="{9E1E4C47-8EB7-495D-938E-E2CDA69D1F3B}" type="datetimeFigureOut">
               <a:rPr lang="en-US" smtClean="0"/>
-              <a:t>10/17/2014</a:t>
+              <a:t>11/21/2014</a:t>
             </a:fld>
             <a:endParaRPr lang="en-US"/>
           </a:p>
@@ -3186,7 +3188,7 @@
           <a:p>
             <a:fld id="{9E1E4C47-8EB7-495D-938E-E2CDA69D1F3B}" type="datetimeFigureOut">
               <a:rPr lang="en-US" smtClean="0"/>
-              <a:t>10/17/2014</a:t>
+              <a:t>11/21/2014</a:t>
             </a:fld>
             <a:endParaRPr lang="en-US"/>
           </a:p>
@@ -3629,7 +3631,7 @@
           <a:p>
             <a:fld id="{9E1E4C47-8EB7-495D-938E-E2CDA69D1F3B}" type="datetimeFigureOut">
               <a:rPr lang="en-US" smtClean="0"/>
-              <a:t>10/17/2014</a:t>
+              <a:t>11/21/2014</a:t>
             </a:fld>
             <a:endParaRPr lang="en-US"/>
           </a:p>
@@ -3886,7 +3888,7 @@
           <a:p>
             <a:fld id="{9E1E4C47-8EB7-495D-938E-E2CDA69D1F3B}" type="datetimeFigureOut">
               <a:rPr lang="en-US" smtClean="0"/>
-              <a:t>10/17/2014</a:t>
+              <a:t>11/21/2014</a:t>
             </a:fld>
             <a:endParaRPr lang="en-US"/>
           </a:p>
@@ -10162,9 +10164,16 @@
             <a:endParaRPr lang="en-US" dirty="0"/>
           </a:p>
           <a:p>
-            <a:r>
-              <a:rPr lang="en-US" dirty="0" smtClean="0"/>
-              <a:t>And copy the following content to the file</a:t>
+            <a:endParaRPr lang="en-US" smtClean="0"/>
+          </a:p>
+          <a:p>
+            <a:r>
+              <a:rPr lang="en-US" smtClean="0"/>
+              <a:t>And </a:t>
+            </a:r>
+            <a:r>
+              <a:rPr lang="en-US" dirty="0" smtClean="0"/>
+              <a:t>copy the following content to the file</a:t>
             </a:r>
           </a:p>
         </p:txBody>
@@ -10178,7 +10187,7 @@
         <p:spPr>
           <a:xfrm>
             <a:off x="1338844" y="2793377"/>
-            <a:ext cx="5859296" cy="715581"/>
+            <a:ext cx="5859296" cy="923330"/>
           </a:xfrm>
           <a:prstGeom prst="rect">
             <a:avLst/>
@@ -10313,6 +10322,45 @@
               </a:rPr>
               <a:t>/network</a:t>
             </a:r>
+          </a:p>
+          <a:p>
+            <a:r>
+              <a:rPr lang="en-US" sz="1350" dirty="0" smtClean="0">
+                <a:solidFill>
+                  <a:srgbClr val="7030A0"/>
+                </a:solidFill>
+                <a:latin typeface="Consolas" panose="020B0609020204030204" pitchFamily="49" charset="0"/>
+                <a:cs typeface="Consolas" panose="020B0609020204030204" pitchFamily="49" charset="0"/>
+              </a:rPr>
+              <a:t>$ cd </a:t>
+            </a:r>
+            <a:r>
+              <a:rPr lang="en-US" sz="1350" dirty="0" err="1" smtClean="0">
+                <a:solidFill>
+                  <a:srgbClr val="7030A0"/>
+                </a:solidFill>
+                <a:latin typeface="Consolas" panose="020B0609020204030204" pitchFamily="49" charset="0"/>
+                <a:cs typeface="Consolas" panose="020B0609020204030204" pitchFamily="49" charset="0"/>
+              </a:rPr>
+              <a:t>etc</a:t>
+            </a:r>
+            <a:r>
+              <a:rPr lang="en-US" sz="1350" dirty="0" smtClean="0">
+                <a:solidFill>
+                  <a:srgbClr val="7030A0"/>
+                </a:solidFill>
+                <a:latin typeface="Consolas" panose="020B0609020204030204" pitchFamily="49" charset="0"/>
+                <a:cs typeface="Consolas" panose="020B0609020204030204" pitchFamily="49" charset="0"/>
+              </a:rPr>
+              <a:t>/network</a:t>
+            </a:r>
+            <a:endParaRPr lang="en-US" sz="1350" dirty="0" smtClean="0">
+              <a:solidFill>
+                <a:srgbClr val="7030A0"/>
+              </a:solidFill>
+              <a:latin typeface="Consolas" panose="020B0609020204030204" pitchFamily="49" charset="0"/>
+              <a:cs typeface="Consolas" panose="020B0609020204030204" pitchFamily="49" charset="0"/>
+            </a:endParaRPr>
           </a:p>
           <a:p>
             <a:r>
@@ -10541,6 +10589,1495 @@
         </p:nvSpPr>
         <p:spPr/>
         <p:txBody>
+          <a:bodyPr/>
+          <a:lstStyle/>
+          <a:p>
+            <a:r>
+              <a:rPr lang="en-US" dirty="0"/>
+              <a:t>Setup the network </a:t>
+            </a:r>
+            <a:r>
+              <a:rPr lang="en-US" dirty="0" smtClean="0"/>
+              <a:t>interface</a:t>
+            </a:r>
+            <a:endParaRPr lang="en-US" dirty="0"/>
+          </a:p>
+        </p:txBody>
+      </p:sp>
+      <p:sp>
+        <p:nvSpPr>
+          <p:cNvPr id="3" name="Content Placeholder 2"/>
+          <p:cNvSpPr>
+            <a:spLocks noGrp="1"/>
+          </p:cNvSpPr>
+          <p:nvPr>
+            <p:ph idx="1"/>
+          </p:nvPr>
+        </p:nvSpPr>
+        <p:spPr/>
+        <p:txBody>
+          <a:bodyPr/>
+          <a:lstStyle/>
+          <a:p>
+            <a:r>
+              <a:rPr lang="en-US" dirty="0" smtClean="0"/>
+              <a:t>Apparently sometimes it happens that the network controller is not yet operational and Linux already tries to bring up the interface</a:t>
+            </a:r>
+          </a:p>
+          <a:p>
+            <a:pPr lvl="1"/>
+            <a:r>
+              <a:rPr lang="en-US" dirty="0" smtClean="0"/>
+              <a:t>In this the network interfaces never comes up and the interface also receives no IP address</a:t>
+            </a:r>
+          </a:p>
+          <a:p>
+            <a:r>
+              <a:rPr lang="en-US" dirty="0" smtClean="0"/>
+              <a:t>To fix this we need to add a delay to the script that brings up the network interfaces</a:t>
+            </a:r>
+          </a:p>
+          <a:p>
+            <a:pPr lvl="1"/>
+            <a:r>
+              <a:rPr lang="en-US" dirty="0" smtClean="0"/>
+              <a:t>The script that brings up the interfaces can be found at “/</a:t>
+            </a:r>
+            <a:r>
+              <a:rPr lang="en-US" dirty="0" err="1" smtClean="0"/>
+              <a:t>buildroot</a:t>
+            </a:r>
+            <a:r>
+              <a:rPr lang="en-US" dirty="0" smtClean="0"/>
+              <a:t>/output/target/</a:t>
+            </a:r>
+            <a:r>
+              <a:rPr lang="en-US" dirty="0" err="1" smtClean="0"/>
+              <a:t>etc</a:t>
+            </a:r>
+            <a:r>
+              <a:rPr lang="en-US" dirty="0" smtClean="0"/>
+              <a:t>/</a:t>
+            </a:r>
+            <a:r>
+              <a:rPr lang="en-US" dirty="0" err="1" smtClean="0"/>
+              <a:t>init.d</a:t>
+            </a:r>
+            <a:r>
+              <a:rPr lang="en-US" dirty="0" smtClean="0"/>
+              <a:t>/S40network”</a:t>
+            </a:r>
+          </a:p>
+          <a:p>
+            <a:pPr lvl="1"/>
+            <a:r>
+              <a:rPr lang="en-US" dirty="0" smtClean="0"/>
+              <a:t>We can copy this to our root file system overlay and modify it</a:t>
+            </a:r>
+          </a:p>
+        </p:txBody>
+      </p:sp>
+      <p:sp>
+        <p:nvSpPr>
+          <p:cNvPr id="6" name="TextBox 5"/>
+          <p:cNvSpPr txBox="1"/>
+          <p:nvPr/>
+        </p:nvSpPr>
+        <p:spPr>
+          <a:xfrm>
+            <a:off x="1069977" y="4209482"/>
+            <a:ext cx="6761284" cy="1131079"/>
+          </a:xfrm>
+          <a:prstGeom prst="rect">
+            <a:avLst/>
+          </a:prstGeom>
+          <a:noFill/>
+        </p:spPr>
+        <p:txBody>
+          <a:bodyPr wrap="square" rtlCol="0">
+            <a:spAutoFit/>
+          </a:bodyPr>
+          <a:lstStyle/>
+          <a:p>
+            <a:r>
+              <a:rPr lang="en-US" sz="1350" dirty="0" smtClean="0">
+                <a:solidFill>
+                  <a:srgbClr val="7030A0"/>
+                </a:solidFill>
+                <a:latin typeface="Consolas" panose="020B0609020204030204" pitchFamily="49" charset="0"/>
+                <a:cs typeface="Consolas" panose="020B0609020204030204" pitchFamily="49" charset="0"/>
+              </a:rPr>
+              <a:t>$ </a:t>
+            </a:r>
+            <a:r>
+              <a:rPr lang="en-US" sz="1350" dirty="0" err="1" smtClean="0">
+                <a:solidFill>
+                  <a:srgbClr val="7030A0"/>
+                </a:solidFill>
+                <a:latin typeface="Consolas" panose="020B0609020204030204" pitchFamily="49" charset="0"/>
+                <a:cs typeface="Consolas" panose="020B0609020204030204" pitchFamily="49" charset="0"/>
+              </a:rPr>
+              <a:t>mkdir</a:t>
+            </a:r>
+            <a:r>
+              <a:rPr lang="en-US" sz="1350" dirty="0" smtClean="0">
+                <a:solidFill>
+                  <a:srgbClr val="7030A0"/>
+                </a:solidFill>
+                <a:latin typeface="Consolas" panose="020B0609020204030204" pitchFamily="49" charset="0"/>
+                <a:cs typeface="Consolas" panose="020B0609020204030204" pitchFamily="49" charset="0"/>
+              </a:rPr>
+              <a:t> –</a:t>
+            </a:r>
+            <a:r>
+              <a:rPr lang="en-US" sz="1350" dirty="0">
+                <a:solidFill>
+                  <a:srgbClr val="7030A0"/>
+                </a:solidFill>
+                <a:latin typeface="Consolas" panose="020B0609020204030204" pitchFamily="49" charset="0"/>
+                <a:cs typeface="Consolas" panose="020B0609020204030204" pitchFamily="49" charset="0"/>
+              </a:rPr>
+              <a:t>p ~/</a:t>
+            </a:r>
+            <a:r>
+              <a:rPr lang="en-US" sz="1350" dirty="0" err="1" smtClean="0">
+                <a:solidFill>
+                  <a:srgbClr val="7030A0"/>
+                </a:solidFill>
+                <a:latin typeface="Consolas" panose="020B0609020204030204" pitchFamily="49" charset="0"/>
+                <a:cs typeface="Consolas" panose="020B0609020204030204" pitchFamily="49" charset="0"/>
+              </a:rPr>
+              <a:t>pi_buildroot_custom</a:t>
+            </a:r>
+            <a:r>
+              <a:rPr lang="en-US" sz="1350" dirty="0" smtClean="0">
+                <a:solidFill>
+                  <a:srgbClr val="7030A0"/>
+                </a:solidFill>
+                <a:latin typeface="Consolas" panose="020B0609020204030204" pitchFamily="49" charset="0"/>
+                <a:cs typeface="Consolas" panose="020B0609020204030204" pitchFamily="49" charset="0"/>
+              </a:rPr>
+              <a:t>/board/</a:t>
+            </a:r>
+            <a:r>
+              <a:rPr lang="en-US" sz="1350" dirty="0" err="1" smtClean="0">
+                <a:solidFill>
+                  <a:srgbClr val="7030A0"/>
+                </a:solidFill>
+                <a:latin typeface="Consolas" panose="020B0609020204030204" pitchFamily="49" charset="0"/>
+                <a:cs typeface="Consolas" panose="020B0609020204030204" pitchFamily="49" charset="0"/>
+              </a:rPr>
+              <a:t>raspberrypi</a:t>
+            </a:r>
+            <a:r>
+              <a:rPr lang="en-US" sz="1350" dirty="0" smtClean="0">
+                <a:solidFill>
+                  <a:srgbClr val="7030A0"/>
+                </a:solidFill>
+                <a:latin typeface="Consolas" panose="020B0609020204030204" pitchFamily="49" charset="0"/>
+                <a:cs typeface="Consolas" panose="020B0609020204030204" pitchFamily="49" charset="0"/>
+              </a:rPr>
+              <a:t>/</a:t>
+            </a:r>
+            <a:r>
+              <a:rPr lang="en-US" sz="1350" dirty="0" err="1" smtClean="0">
+                <a:solidFill>
+                  <a:srgbClr val="7030A0"/>
+                </a:solidFill>
+                <a:latin typeface="Consolas" panose="020B0609020204030204" pitchFamily="49" charset="0"/>
+                <a:cs typeface="Consolas" panose="020B0609020204030204" pitchFamily="49" charset="0"/>
+              </a:rPr>
+              <a:t>rootfs_overlay</a:t>
+            </a:r>
+            <a:r>
+              <a:rPr lang="en-US" sz="1350" dirty="0" smtClean="0">
+                <a:solidFill>
+                  <a:srgbClr val="7030A0"/>
+                </a:solidFill>
+                <a:latin typeface="Consolas" panose="020B0609020204030204" pitchFamily="49" charset="0"/>
+                <a:cs typeface="Consolas" panose="020B0609020204030204" pitchFamily="49" charset="0"/>
+              </a:rPr>
+              <a:t>/</a:t>
+            </a:r>
+            <a:r>
+              <a:rPr lang="en-US" sz="1350" dirty="0" err="1" smtClean="0">
+                <a:solidFill>
+                  <a:srgbClr val="7030A0"/>
+                </a:solidFill>
+                <a:latin typeface="Consolas" panose="020B0609020204030204" pitchFamily="49" charset="0"/>
+                <a:cs typeface="Consolas" panose="020B0609020204030204" pitchFamily="49" charset="0"/>
+              </a:rPr>
+              <a:t>etc</a:t>
+            </a:r>
+            <a:r>
+              <a:rPr lang="en-US" sz="1350" dirty="0" smtClean="0">
+                <a:solidFill>
+                  <a:srgbClr val="7030A0"/>
+                </a:solidFill>
+                <a:latin typeface="Consolas" panose="020B0609020204030204" pitchFamily="49" charset="0"/>
+                <a:cs typeface="Consolas" panose="020B0609020204030204" pitchFamily="49" charset="0"/>
+              </a:rPr>
+              <a:t>/</a:t>
+            </a:r>
+            <a:r>
+              <a:rPr lang="en-US" sz="1350" dirty="0" err="1" smtClean="0">
+                <a:solidFill>
+                  <a:srgbClr val="7030A0"/>
+                </a:solidFill>
+                <a:latin typeface="Consolas" panose="020B0609020204030204" pitchFamily="49" charset="0"/>
+                <a:cs typeface="Consolas" panose="020B0609020204030204" pitchFamily="49" charset="0"/>
+              </a:rPr>
+              <a:t>init.d</a:t>
+            </a:r>
+            <a:endParaRPr lang="en-US" sz="1350" dirty="0" smtClean="0">
+              <a:solidFill>
+                <a:srgbClr val="7030A0"/>
+              </a:solidFill>
+              <a:latin typeface="Consolas" panose="020B0609020204030204" pitchFamily="49" charset="0"/>
+              <a:cs typeface="Consolas" panose="020B0609020204030204" pitchFamily="49" charset="0"/>
+            </a:endParaRPr>
+          </a:p>
+          <a:p>
+            <a:endParaRPr lang="en-US" sz="1350" dirty="0" smtClean="0">
+              <a:solidFill>
+                <a:srgbClr val="7030A0"/>
+              </a:solidFill>
+              <a:latin typeface="Consolas" panose="020B0609020204030204" pitchFamily="49" charset="0"/>
+              <a:cs typeface="Consolas" panose="020B0609020204030204" pitchFamily="49" charset="0"/>
+            </a:endParaRPr>
+          </a:p>
+          <a:p>
+            <a:r>
+              <a:rPr lang="en-US" sz="1350" dirty="0" smtClean="0">
+                <a:solidFill>
+                  <a:srgbClr val="7030A0"/>
+                </a:solidFill>
+                <a:latin typeface="Consolas" panose="020B0609020204030204" pitchFamily="49" charset="0"/>
+                <a:cs typeface="Consolas" panose="020B0609020204030204" pitchFamily="49" charset="0"/>
+              </a:rPr>
+              <a:t>$ </a:t>
+            </a:r>
+            <a:r>
+              <a:rPr lang="en-US" sz="1350" dirty="0" err="1" smtClean="0">
+                <a:solidFill>
+                  <a:srgbClr val="7030A0"/>
+                </a:solidFill>
+                <a:latin typeface="Consolas" panose="020B0609020204030204" pitchFamily="49" charset="0"/>
+                <a:cs typeface="Consolas" panose="020B0609020204030204" pitchFamily="49" charset="0"/>
+              </a:rPr>
+              <a:t>cp</a:t>
+            </a:r>
+            <a:r>
+              <a:rPr lang="en-US" sz="1350" dirty="0" smtClean="0">
+                <a:solidFill>
+                  <a:srgbClr val="7030A0"/>
+                </a:solidFill>
+                <a:latin typeface="Consolas" panose="020B0609020204030204" pitchFamily="49" charset="0"/>
+                <a:cs typeface="Consolas" panose="020B0609020204030204" pitchFamily="49" charset="0"/>
+              </a:rPr>
+              <a:t> –</a:t>
+            </a:r>
+            <a:r>
+              <a:rPr lang="en-US" sz="1350" dirty="0">
+                <a:solidFill>
+                  <a:srgbClr val="7030A0"/>
+                </a:solidFill>
+                <a:latin typeface="Consolas" panose="020B0609020204030204" pitchFamily="49" charset="0"/>
+                <a:cs typeface="Consolas" panose="020B0609020204030204" pitchFamily="49" charset="0"/>
+              </a:rPr>
+              <a:t>a </a:t>
+            </a:r>
+            <a:r>
+              <a:rPr lang="en-US" sz="1350" dirty="0" smtClean="0">
+                <a:solidFill>
+                  <a:srgbClr val="7030A0"/>
+                </a:solidFill>
+                <a:latin typeface="Consolas" panose="020B0609020204030204" pitchFamily="49" charset="0"/>
+                <a:cs typeface="Consolas" panose="020B0609020204030204" pitchFamily="49" charset="0"/>
+              </a:rPr>
+              <a:t>~/</a:t>
+            </a:r>
+            <a:r>
+              <a:rPr lang="en-US" sz="1350" dirty="0" err="1">
+                <a:solidFill>
+                  <a:srgbClr val="7030A0"/>
+                </a:solidFill>
+                <a:latin typeface="Consolas" panose="020B0609020204030204" pitchFamily="49" charset="0"/>
+                <a:cs typeface="Consolas" panose="020B0609020204030204" pitchFamily="49" charset="0"/>
+              </a:rPr>
+              <a:t>buildroot</a:t>
+            </a:r>
+            <a:r>
+              <a:rPr lang="en-US" sz="1350" dirty="0">
+                <a:solidFill>
+                  <a:srgbClr val="7030A0"/>
+                </a:solidFill>
+                <a:latin typeface="Consolas" panose="020B0609020204030204" pitchFamily="49" charset="0"/>
+                <a:cs typeface="Consolas" panose="020B0609020204030204" pitchFamily="49" charset="0"/>
+              </a:rPr>
+              <a:t>/output/target/</a:t>
+            </a:r>
+            <a:r>
+              <a:rPr lang="en-US" sz="1350" dirty="0" err="1">
+                <a:solidFill>
+                  <a:srgbClr val="7030A0"/>
+                </a:solidFill>
+                <a:latin typeface="Consolas" panose="020B0609020204030204" pitchFamily="49" charset="0"/>
+                <a:cs typeface="Consolas" panose="020B0609020204030204" pitchFamily="49" charset="0"/>
+              </a:rPr>
+              <a:t>etc</a:t>
+            </a:r>
+            <a:r>
+              <a:rPr lang="en-US" sz="1350" dirty="0">
+                <a:solidFill>
+                  <a:srgbClr val="7030A0"/>
+                </a:solidFill>
+                <a:latin typeface="Consolas" panose="020B0609020204030204" pitchFamily="49" charset="0"/>
+                <a:cs typeface="Consolas" panose="020B0609020204030204" pitchFamily="49" charset="0"/>
+              </a:rPr>
+              <a:t>/</a:t>
+            </a:r>
+            <a:r>
+              <a:rPr lang="en-US" sz="1350" dirty="0" err="1">
+                <a:solidFill>
+                  <a:srgbClr val="7030A0"/>
+                </a:solidFill>
+                <a:latin typeface="Consolas" panose="020B0609020204030204" pitchFamily="49" charset="0"/>
+                <a:cs typeface="Consolas" panose="020B0609020204030204" pitchFamily="49" charset="0"/>
+              </a:rPr>
+              <a:t>init.d</a:t>
+            </a:r>
+            <a:r>
+              <a:rPr lang="en-US" sz="1350" dirty="0">
+                <a:solidFill>
+                  <a:srgbClr val="7030A0"/>
+                </a:solidFill>
+                <a:latin typeface="Consolas" panose="020B0609020204030204" pitchFamily="49" charset="0"/>
+                <a:cs typeface="Consolas" panose="020B0609020204030204" pitchFamily="49" charset="0"/>
+              </a:rPr>
+              <a:t>/S40network </a:t>
+            </a:r>
+            <a:r>
+              <a:rPr lang="en-US" sz="1350" dirty="0" smtClean="0">
+                <a:solidFill>
+                  <a:srgbClr val="7030A0"/>
+                </a:solidFill>
+                <a:latin typeface="Consolas" panose="020B0609020204030204" pitchFamily="49" charset="0"/>
+                <a:cs typeface="Consolas" panose="020B0609020204030204" pitchFamily="49" charset="0"/>
+              </a:rPr>
+              <a:t>~/</a:t>
+            </a:r>
+            <a:r>
+              <a:rPr lang="en-US" sz="1350" dirty="0" err="1" smtClean="0">
+                <a:solidFill>
+                  <a:srgbClr val="7030A0"/>
+                </a:solidFill>
+                <a:latin typeface="Consolas" panose="020B0609020204030204" pitchFamily="49" charset="0"/>
+                <a:cs typeface="Consolas" panose="020B0609020204030204" pitchFamily="49" charset="0"/>
+              </a:rPr>
+              <a:t>pi_buildroot_custom</a:t>
+            </a:r>
+            <a:r>
+              <a:rPr lang="en-US" sz="1350" dirty="0" smtClean="0">
+                <a:solidFill>
+                  <a:srgbClr val="7030A0"/>
+                </a:solidFill>
+                <a:latin typeface="Consolas" panose="020B0609020204030204" pitchFamily="49" charset="0"/>
+                <a:cs typeface="Consolas" panose="020B0609020204030204" pitchFamily="49" charset="0"/>
+              </a:rPr>
+              <a:t>/board/</a:t>
+            </a:r>
+            <a:r>
+              <a:rPr lang="en-US" sz="1350" dirty="0" err="1" smtClean="0">
+                <a:solidFill>
+                  <a:srgbClr val="7030A0"/>
+                </a:solidFill>
+                <a:latin typeface="Consolas" panose="020B0609020204030204" pitchFamily="49" charset="0"/>
+                <a:cs typeface="Consolas" panose="020B0609020204030204" pitchFamily="49" charset="0"/>
+              </a:rPr>
+              <a:t>raspberrypi</a:t>
+            </a:r>
+            <a:r>
+              <a:rPr lang="en-US" sz="1350" dirty="0" smtClean="0">
+                <a:solidFill>
+                  <a:srgbClr val="7030A0"/>
+                </a:solidFill>
+                <a:latin typeface="Consolas" panose="020B0609020204030204" pitchFamily="49" charset="0"/>
+                <a:cs typeface="Consolas" panose="020B0609020204030204" pitchFamily="49" charset="0"/>
+              </a:rPr>
+              <a:t>/</a:t>
+            </a:r>
+            <a:r>
+              <a:rPr lang="en-US" sz="1350" dirty="0" err="1" smtClean="0">
+                <a:solidFill>
+                  <a:srgbClr val="7030A0"/>
+                </a:solidFill>
+                <a:latin typeface="Consolas" panose="020B0609020204030204" pitchFamily="49" charset="0"/>
+                <a:cs typeface="Consolas" panose="020B0609020204030204" pitchFamily="49" charset="0"/>
+              </a:rPr>
+              <a:t>rootfs_overlay</a:t>
+            </a:r>
+            <a:r>
+              <a:rPr lang="en-US" sz="1350" dirty="0" smtClean="0">
+                <a:solidFill>
+                  <a:srgbClr val="7030A0"/>
+                </a:solidFill>
+                <a:latin typeface="Consolas" panose="020B0609020204030204" pitchFamily="49" charset="0"/>
+                <a:cs typeface="Consolas" panose="020B0609020204030204" pitchFamily="49" charset="0"/>
+              </a:rPr>
+              <a:t>/</a:t>
+            </a:r>
+            <a:r>
+              <a:rPr lang="en-US" sz="1350" dirty="0" err="1" smtClean="0">
+                <a:solidFill>
+                  <a:srgbClr val="7030A0"/>
+                </a:solidFill>
+                <a:latin typeface="Consolas" panose="020B0609020204030204" pitchFamily="49" charset="0"/>
+                <a:cs typeface="Consolas" panose="020B0609020204030204" pitchFamily="49" charset="0"/>
+              </a:rPr>
+              <a:t>etc</a:t>
+            </a:r>
+            <a:r>
+              <a:rPr lang="en-US" sz="1350" dirty="0" smtClean="0">
+                <a:solidFill>
+                  <a:srgbClr val="7030A0"/>
+                </a:solidFill>
+                <a:latin typeface="Consolas" panose="020B0609020204030204" pitchFamily="49" charset="0"/>
+                <a:cs typeface="Consolas" panose="020B0609020204030204" pitchFamily="49" charset="0"/>
+              </a:rPr>
+              <a:t>/</a:t>
+            </a:r>
+            <a:r>
+              <a:rPr lang="en-US" sz="1350" dirty="0" err="1" smtClean="0">
+                <a:solidFill>
+                  <a:srgbClr val="7030A0"/>
+                </a:solidFill>
+                <a:latin typeface="Consolas" panose="020B0609020204030204" pitchFamily="49" charset="0"/>
+                <a:cs typeface="Consolas" panose="020B0609020204030204" pitchFamily="49" charset="0"/>
+              </a:rPr>
+              <a:t>init.d</a:t>
+            </a:r>
+            <a:r>
+              <a:rPr lang="en-US" sz="1350" dirty="0" smtClean="0">
+                <a:solidFill>
+                  <a:srgbClr val="7030A0"/>
+                </a:solidFill>
+                <a:latin typeface="Consolas" panose="020B0609020204030204" pitchFamily="49" charset="0"/>
+                <a:cs typeface="Consolas" panose="020B0609020204030204" pitchFamily="49" charset="0"/>
+              </a:rPr>
+              <a:t>/</a:t>
+            </a:r>
+          </a:p>
+        </p:txBody>
+      </p:sp>
+    </p:spTree>
+    <p:extLst>
+      <p:ext uri="{BB962C8B-B14F-4D97-AF65-F5344CB8AC3E}">
+        <p14:creationId xmlns:p14="http://schemas.microsoft.com/office/powerpoint/2010/main" val="1106034736"/>
+      </p:ext>
+    </p:extLst>
+  </p:cSld>
+  <p:clrMapOvr>
+    <a:masterClrMapping/>
+  </p:clrMapOvr>
+  <p:timing>
+    <p:tnLst>
+      <p:par>
+        <p:cTn id="1" dur="indefinite" restart="never" nodeType="tmRoot"/>
+      </p:par>
+    </p:tnLst>
+  </p:timing>
+</p:sld>
+</file>
+
+<file path=ppt/slides/slide29.xml><?xml version="1.0" encoding="utf-8"?>
+<p:sld xmlns:a="http://schemas.openxmlformats.org/drawingml/2006/main" xmlns:r="http://schemas.openxmlformats.org/officeDocument/2006/relationships" xmlns:p="http://schemas.openxmlformats.org/presentationml/2006/main">
+  <p:cSld>
+    <p:spTree>
+      <p:nvGrpSpPr>
+        <p:cNvPr id="1" name=""/>
+        <p:cNvGrpSpPr/>
+        <p:nvPr/>
+      </p:nvGrpSpPr>
+      <p:grpSpPr>
+        <a:xfrm>
+          <a:off x="0" y="0"/>
+          <a:ext cx="0" cy="0"/>
+          <a:chOff x="0" y="0"/>
+          <a:chExt cx="0" cy="0"/>
+        </a:xfrm>
+      </p:grpSpPr>
+      <p:sp>
+        <p:nvSpPr>
+          <p:cNvPr id="2" name="Title 1"/>
+          <p:cNvSpPr>
+            <a:spLocks noGrp="1"/>
+          </p:cNvSpPr>
+          <p:nvPr>
+            <p:ph type="title"/>
+          </p:nvPr>
+        </p:nvSpPr>
+        <p:spPr/>
+        <p:txBody>
+          <a:bodyPr/>
+          <a:lstStyle/>
+          <a:p>
+            <a:r>
+              <a:rPr lang="en-US" dirty="0"/>
+              <a:t>Setup the network </a:t>
+            </a:r>
+            <a:r>
+              <a:rPr lang="en-US" dirty="0" smtClean="0"/>
+              <a:t>interface</a:t>
+            </a:r>
+            <a:endParaRPr lang="en-US" dirty="0"/>
+          </a:p>
+        </p:txBody>
+      </p:sp>
+      <p:sp>
+        <p:nvSpPr>
+          <p:cNvPr id="3" name="Content Placeholder 2"/>
+          <p:cNvSpPr>
+            <a:spLocks noGrp="1"/>
+          </p:cNvSpPr>
+          <p:nvPr>
+            <p:ph idx="1"/>
+          </p:nvPr>
+        </p:nvSpPr>
+        <p:spPr/>
+        <p:txBody>
+          <a:bodyPr/>
+          <a:lstStyle/>
+          <a:p>
+            <a:r>
+              <a:rPr lang="en-US" dirty="0" smtClean="0"/>
+              <a:t>Next we need to add a </a:t>
+            </a:r>
+            <a:r>
+              <a:rPr lang="en-US" smtClean="0"/>
+              <a:t>“sleep 2” </a:t>
+            </a:r>
+            <a:r>
+              <a:rPr lang="en-US" dirty="0" smtClean="0"/>
+              <a:t>before the “</a:t>
+            </a:r>
+            <a:r>
+              <a:rPr lang="en-US" dirty="0" err="1" smtClean="0"/>
+              <a:t>ifup</a:t>
+            </a:r>
+            <a:r>
+              <a:rPr lang="en-US" dirty="0" smtClean="0"/>
+              <a:t>” command</a:t>
+            </a:r>
+          </a:p>
+          <a:p>
+            <a:endParaRPr lang="en-US" dirty="0"/>
+          </a:p>
+          <a:p>
+            <a:endParaRPr lang="en-US" dirty="0" smtClean="0"/>
+          </a:p>
+          <a:p>
+            <a:r>
+              <a:rPr lang="en-US" dirty="0" smtClean="0"/>
+              <a:t>With the end result being</a:t>
+            </a:r>
+          </a:p>
+        </p:txBody>
+      </p:sp>
+      <p:sp>
+        <p:nvSpPr>
+          <p:cNvPr id="8" name="TextBox 7"/>
+          <p:cNvSpPr txBox="1"/>
+          <p:nvPr/>
+        </p:nvSpPr>
+        <p:spPr>
+          <a:xfrm>
+            <a:off x="882032" y="1911346"/>
+            <a:ext cx="7185727" cy="507831"/>
+          </a:xfrm>
+          <a:prstGeom prst="rect">
+            <a:avLst/>
+          </a:prstGeom>
+          <a:noFill/>
+        </p:spPr>
+        <p:txBody>
+          <a:bodyPr wrap="square" rtlCol="0">
+            <a:spAutoFit/>
+          </a:bodyPr>
+          <a:lstStyle/>
+          <a:p>
+            <a:r>
+              <a:rPr lang="en-US" sz="1350" dirty="0" smtClean="0">
+                <a:solidFill>
+                  <a:srgbClr val="7030A0"/>
+                </a:solidFill>
+                <a:latin typeface="Consolas" panose="020B0609020204030204" pitchFamily="49" charset="0"/>
+                <a:cs typeface="Consolas" panose="020B0609020204030204" pitchFamily="49" charset="0"/>
+              </a:rPr>
+              <a:t>$ cd ~/</a:t>
+            </a:r>
+            <a:r>
+              <a:rPr lang="en-US" sz="1350" dirty="0" err="1" smtClean="0">
+                <a:solidFill>
+                  <a:srgbClr val="7030A0"/>
+                </a:solidFill>
+                <a:latin typeface="Consolas" panose="020B0609020204030204" pitchFamily="49" charset="0"/>
+                <a:cs typeface="Consolas" panose="020B0609020204030204" pitchFamily="49" charset="0"/>
+              </a:rPr>
+              <a:t>pi_buildroot_custom</a:t>
+            </a:r>
+            <a:r>
+              <a:rPr lang="en-US" sz="1350" dirty="0" smtClean="0">
+                <a:solidFill>
+                  <a:srgbClr val="7030A0"/>
+                </a:solidFill>
+                <a:latin typeface="Consolas" panose="020B0609020204030204" pitchFamily="49" charset="0"/>
+                <a:cs typeface="Consolas" panose="020B0609020204030204" pitchFamily="49" charset="0"/>
+              </a:rPr>
+              <a:t>/board/</a:t>
+            </a:r>
+            <a:r>
+              <a:rPr lang="en-US" sz="1350" dirty="0" err="1" smtClean="0">
+                <a:solidFill>
+                  <a:srgbClr val="7030A0"/>
+                </a:solidFill>
+                <a:latin typeface="Consolas" panose="020B0609020204030204" pitchFamily="49" charset="0"/>
+                <a:cs typeface="Consolas" panose="020B0609020204030204" pitchFamily="49" charset="0"/>
+              </a:rPr>
+              <a:t>raspberrypi</a:t>
+            </a:r>
+            <a:r>
+              <a:rPr lang="en-US" sz="1350" dirty="0" smtClean="0">
+                <a:solidFill>
+                  <a:srgbClr val="7030A0"/>
+                </a:solidFill>
+                <a:latin typeface="Consolas" panose="020B0609020204030204" pitchFamily="49" charset="0"/>
+                <a:cs typeface="Consolas" panose="020B0609020204030204" pitchFamily="49" charset="0"/>
+              </a:rPr>
+              <a:t>/</a:t>
+            </a:r>
+            <a:r>
+              <a:rPr lang="en-US" sz="1350" dirty="0" err="1" smtClean="0">
+                <a:solidFill>
+                  <a:srgbClr val="7030A0"/>
+                </a:solidFill>
+                <a:latin typeface="Consolas" panose="020B0609020204030204" pitchFamily="49" charset="0"/>
+                <a:cs typeface="Consolas" panose="020B0609020204030204" pitchFamily="49" charset="0"/>
+              </a:rPr>
+              <a:t>rootfs_overlay</a:t>
+            </a:r>
+            <a:r>
+              <a:rPr lang="en-US" sz="1350" dirty="0" smtClean="0">
+                <a:solidFill>
+                  <a:srgbClr val="7030A0"/>
+                </a:solidFill>
+                <a:latin typeface="Consolas" panose="020B0609020204030204" pitchFamily="49" charset="0"/>
+                <a:cs typeface="Consolas" panose="020B0609020204030204" pitchFamily="49" charset="0"/>
+              </a:rPr>
+              <a:t>/</a:t>
+            </a:r>
+            <a:r>
+              <a:rPr lang="en-US" sz="1350" dirty="0" err="1" smtClean="0">
+                <a:solidFill>
+                  <a:srgbClr val="7030A0"/>
+                </a:solidFill>
+                <a:latin typeface="Consolas" panose="020B0609020204030204" pitchFamily="49" charset="0"/>
+                <a:cs typeface="Consolas" panose="020B0609020204030204" pitchFamily="49" charset="0"/>
+              </a:rPr>
+              <a:t>etc</a:t>
+            </a:r>
+            <a:r>
+              <a:rPr lang="en-US" sz="1350" dirty="0" smtClean="0">
+                <a:solidFill>
+                  <a:srgbClr val="7030A0"/>
+                </a:solidFill>
+                <a:latin typeface="Consolas" panose="020B0609020204030204" pitchFamily="49" charset="0"/>
+                <a:cs typeface="Consolas" panose="020B0609020204030204" pitchFamily="49" charset="0"/>
+              </a:rPr>
+              <a:t>/</a:t>
+            </a:r>
+            <a:r>
+              <a:rPr lang="en-US" sz="1350" dirty="0" err="1" smtClean="0">
+                <a:solidFill>
+                  <a:srgbClr val="7030A0"/>
+                </a:solidFill>
+                <a:latin typeface="Consolas" panose="020B0609020204030204" pitchFamily="49" charset="0"/>
+                <a:cs typeface="Consolas" panose="020B0609020204030204" pitchFamily="49" charset="0"/>
+              </a:rPr>
+              <a:t>init.d</a:t>
+            </a:r>
+            <a:r>
+              <a:rPr lang="en-US" sz="1350" dirty="0" smtClean="0">
+                <a:solidFill>
+                  <a:srgbClr val="7030A0"/>
+                </a:solidFill>
+                <a:latin typeface="Consolas" panose="020B0609020204030204" pitchFamily="49" charset="0"/>
+                <a:cs typeface="Consolas" panose="020B0609020204030204" pitchFamily="49" charset="0"/>
+              </a:rPr>
+              <a:t>/</a:t>
+            </a:r>
+          </a:p>
+          <a:p>
+            <a:r>
+              <a:rPr lang="en-US" sz="1350" dirty="0" smtClean="0">
+                <a:solidFill>
+                  <a:srgbClr val="7030A0"/>
+                </a:solidFill>
+                <a:latin typeface="Consolas" panose="020B0609020204030204" pitchFamily="49" charset="0"/>
+                <a:cs typeface="Consolas" panose="020B0609020204030204" pitchFamily="49" charset="0"/>
+              </a:rPr>
+              <a:t>$ </a:t>
+            </a:r>
+            <a:r>
+              <a:rPr lang="en-US" sz="1350" dirty="0" err="1" smtClean="0">
+                <a:solidFill>
+                  <a:srgbClr val="7030A0"/>
+                </a:solidFill>
+                <a:latin typeface="Consolas" panose="020B0609020204030204" pitchFamily="49" charset="0"/>
+                <a:cs typeface="Consolas" panose="020B0609020204030204" pitchFamily="49" charset="0"/>
+              </a:rPr>
+              <a:t>nano</a:t>
+            </a:r>
+            <a:r>
+              <a:rPr lang="en-US" sz="1350" dirty="0">
+                <a:solidFill>
+                  <a:srgbClr val="7030A0"/>
+                </a:solidFill>
+                <a:latin typeface="Consolas" panose="020B0609020204030204" pitchFamily="49" charset="0"/>
+                <a:cs typeface="Consolas" panose="020B0609020204030204" pitchFamily="49" charset="0"/>
+              </a:rPr>
+              <a:t> S40network</a:t>
+            </a:r>
+            <a:endParaRPr lang="en-US" sz="1350" dirty="0" smtClean="0">
+              <a:solidFill>
+                <a:srgbClr val="7030A0"/>
+              </a:solidFill>
+              <a:latin typeface="Consolas" panose="020B0609020204030204" pitchFamily="49" charset="0"/>
+              <a:cs typeface="Consolas" panose="020B0609020204030204" pitchFamily="49" charset="0"/>
+            </a:endParaRPr>
+          </a:p>
+        </p:txBody>
+      </p:sp>
+      <p:sp>
+        <p:nvSpPr>
+          <p:cNvPr id="7" name="TextBox 6"/>
+          <p:cNvSpPr txBox="1"/>
+          <p:nvPr/>
+        </p:nvSpPr>
+        <p:spPr>
+          <a:xfrm>
+            <a:off x="979136" y="3144100"/>
+            <a:ext cx="7185727" cy="3293209"/>
+          </a:xfrm>
+          <a:prstGeom prst="rect">
+            <a:avLst/>
+          </a:prstGeom>
+          <a:noFill/>
+        </p:spPr>
+        <p:txBody>
+          <a:bodyPr wrap="square" rtlCol="0">
+            <a:spAutoFit/>
+          </a:bodyPr>
+          <a:lstStyle/>
+          <a:p>
+            <a:r>
+              <a:rPr lang="en-US" sz="800" dirty="0">
+                <a:solidFill>
+                  <a:srgbClr val="7030A0"/>
+                </a:solidFill>
+                <a:latin typeface="Consolas" panose="020B0609020204030204" pitchFamily="49" charset="0"/>
+                <a:cs typeface="Consolas" panose="020B0609020204030204" pitchFamily="49" charset="0"/>
+              </a:rPr>
+              <a:t>#!/bin/</a:t>
+            </a:r>
+            <a:r>
+              <a:rPr lang="en-US" sz="800" dirty="0" err="1">
+                <a:solidFill>
+                  <a:srgbClr val="7030A0"/>
+                </a:solidFill>
+                <a:latin typeface="Consolas" panose="020B0609020204030204" pitchFamily="49" charset="0"/>
+                <a:cs typeface="Consolas" panose="020B0609020204030204" pitchFamily="49" charset="0"/>
+              </a:rPr>
+              <a:t>sh</a:t>
+            </a:r>
+            <a:endParaRPr lang="en-US" sz="800" dirty="0">
+              <a:solidFill>
+                <a:srgbClr val="7030A0"/>
+              </a:solidFill>
+              <a:latin typeface="Consolas" panose="020B0609020204030204" pitchFamily="49" charset="0"/>
+              <a:cs typeface="Consolas" panose="020B0609020204030204" pitchFamily="49" charset="0"/>
+            </a:endParaRPr>
+          </a:p>
+          <a:p>
+            <a:r>
+              <a:rPr lang="en-US" sz="800" dirty="0">
+                <a:solidFill>
+                  <a:srgbClr val="7030A0"/>
+                </a:solidFill>
+                <a:latin typeface="Consolas" panose="020B0609020204030204" pitchFamily="49" charset="0"/>
+                <a:cs typeface="Consolas" panose="020B0609020204030204" pitchFamily="49" charset="0"/>
+              </a:rPr>
+              <a:t>#</a:t>
+            </a:r>
+          </a:p>
+          <a:p>
+            <a:r>
+              <a:rPr lang="en-US" sz="800" dirty="0">
+                <a:solidFill>
+                  <a:srgbClr val="7030A0"/>
+                </a:solidFill>
+                <a:latin typeface="Consolas" panose="020B0609020204030204" pitchFamily="49" charset="0"/>
+                <a:cs typeface="Consolas" panose="020B0609020204030204" pitchFamily="49" charset="0"/>
+              </a:rPr>
+              <a:t># Start the network....</a:t>
+            </a:r>
+          </a:p>
+          <a:p>
+            <a:r>
+              <a:rPr lang="en-US" sz="800" dirty="0">
+                <a:solidFill>
+                  <a:srgbClr val="7030A0"/>
+                </a:solidFill>
+                <a:latin typeface="Consolas" panose="020B0609020204030204" pitchFamily="49" charset="0"/>
+                <a:cs typeface="Consolas" panose="020B0609020204030204" pitchFamily="49" charset="0"/>
+              </a:rPr>
+              <a:t>#</a:t>
+            </a:r>
+          </a:p>
+          <a:p>
+            <a:endParaRPr lang="en-US" sz="800" dirty="0">
+              <a:solidFill>
+                <a:srgbClr val="7030A0"/>
+              </a:solidFill>
+              <a:latin typeface="Consolas" panose="020B0609020204030204" pitchFamily="49" charset="0"/>
+              <a:cs typeface="Consolas" panose="020B0609020204030204" pitchFamily="49" charset="0"/>
+            </a:endParaRPr>
+          </a:p>
+          <a:p>
+            <a:r>
+              <a:rPr lang="en-US" sz="800" dirty="0">
+                <a:solidFill>
+                  <a:srgbClr val="7030A0"/>
+                </a:solidFill>
+                <a:latin typeface="Consolas" panose="020B0609020204030204" pitchFamily="49" charset="0"/>
+                <a:cs typeface="Consolas" panose="020B0609020204030204" pitchFamily="49" charset="0"/>
+              </a:rPr>
+              <a:t>case "$1" in</a:t>
+            </a:r>
+          </a:p>
+          <a:p>
+            <a:r>
+              <a:rPr lang="en-US" sz="800" dirty="0">
+                <a:solidFill>
+                  <a:srgbClr val="7030A0"/>
+                </a:solidFill>
+                <a:latin typeface="Consolas" panose="020B0609020204030204" pitchFamily="49" charset="0"/>
+                <a:cs typeface="Consolas" panose="020B0609020204030204" pitchFamily="49" charset="0"/>
+              </a:rPr>
+              <a:t>  start)</a:t>
+            </a:r>
+          </a:p>
+          <a:p>
+            <a:r>
+              <a:rPr lang="en-US" sz="800" dirty="0">
+                <a:solidFill>
+                  <a:srgbClr val="7030A0"/>
+                </a:solidFill>
+                <a:latin typeface="Consolas" panose="020B0609020204030204" pitchFamily="49" charset="0"/>
+                <a:cs typeface="Consolas" panose="020B0609020204030204" pitchFamily="49" charset="0"/>
+              </a:rPr>
+              <a:t>	echo "Starting network..."</a:t>
+            </a:r>
+          </a:p>
+          <a:p>
+            <a:r>
+              <a:rPr lang="en-US" sz="800" dirty="0">
+                <a:solidFill>
+                  <a:srgbClr val="7030A0"/>
+                </a:solidFill>
+                <a:latin typeface="Consolas" panose="020B0609020204030204" pitchFamily="49" charset="0"/>
+                <a:cs typeface="Consolas" panose="020B0609020204030204" pitchFamily="49" charset="0"/>
+              </a:rPr>
+              <a:t>	</a:t>
+            </a:r>
+            <a:r>
+              <a:rPr lang="en-US" sz="800" dirty="0" smtClean="0">
+                <a:solidFill>
+                  <a:srgbClr val="7030A0"/>
+                </a:solidFill>
+                <a:latin typeface="Consolas" panose="020B0609020204030204" pitchFamily="49" charset="0"/>
+                <a:cs typeface="Consolas" panose="020B0609020204030204" pitchFamily="49" charset="0"/>
+              </a:rPr>
+              <a:t>sleep 2</a:t>
+            </a:r>
+            <a:endParaRPr lang="en-US" sz="800" dirty="0">
+              <a:solidFill>
+                <a:srgbClr val="7030A0"/>
+              </a:solidFill>
+              <a:latin typeface="Consolas" panose="020B0609020204030204" pitchFamily="49" charset="0"/>
+              <a:cs typeface="Consolas" panose="020B0609020204030204" pitchFamily="49" charset="0"/>
+            </a:endParaRPr>
+          </a:p>
+          <a:p>
+            <a:r>
+              <a:rPr lang="en-US" sz="800" dirty="0">
+                <a:solidFill>
+                  <a:srgbClr val="7030A0"/>
+                </a:solidFill>
+                <a:latin typeface="Consolas" panose="020B0609020204030204" pitchFamily="49" charset="0"/>
+                <a:cs typeface="Consolas" panose="020B0609020204030204" pitchFamily="49" charset="0"/>
+              </a:rPr>
+              <a:t>	/</a:t>
+            </a:r>
+            <a:r>
+              <a:rPr lang="en-US" sz="800" dirty="0" err="1">
+                <a:solidFill>
+                  <a:srgbClr val="7030A0"/>
+                </a:solidFill>
+                <a:latin typeface="Consolas" panose="020B0609020204030204" pitchFamily="49" charset="0"/>
+                <a:cs typeface="Consolas" panose="020B0609020204030204" pitchFamily="49" charset="0"/>
+              </a:rPr>
+              <a:t>sbin</a:t>
+            </a:r>
+            <a:r>
+              <a:rPr lang="en-US" sz="800" dirty="0">
+                <a:solidFill>
+                  <a:srgbClr val="7030A0"/>
+                </a:solidFill>
+                <a:latin typeface="Consolas" panose="020B0609020204030204" pitchFamily="49" charset="0"/>
+                <a:cs typeface="Consolas" panose="020B0609020204030204" pitchFamily="49" charset="0"/>
+              </a:rPr>
+              <a:t>/</a:t>
+            </a:r>
+            <a:r>
+              <a:rPr lang="en-US" sz="800" dirty="0" err="1">
+                <a:solidFill>
+                  <a:srgbClr val="7030A0"/>
+                </a:solidFill>
+                <a:latin typeface="Consolas" panose="020B0609020204030204" pitchFamily="49" charset="0"/>
+                <a:cs typeface="Consolas" panose="020B0609020204030204" pitchFamily="49" charset="0"/>
+              </a:rPr>
+              <a:t>ifup</a:t>
+            </a:r>
+            <a:r>
+              <a:rPr lang="en-US" sz="800" dirty="0">
+                <a:solidFill>
+                  <a:srgbClr val="7030A0"/>
+                </a:solidFill>
+                <a:latin typeface="Consolas" panose="020B0609020204030204" pitchFamily="49" charset="0"/>
+                <a:cs typeface="Consolas" panose="020B0609020204030204" pitchFamily="49" charset="0"/>
+              </a:rPr>
+              <a:t> -a</a:t>
+            </a:r>
+          </a:p>
+          <a:p>
+            <a:r>
+              <a:rPr lang="en-US" sz="800" dirty="0">
+                <a:solidFill>
+                  <a:srgbClr val="7030A0"/>
+                </a:solidFill>
+                <a:latin typeface="Consolas" panose="020B0609020204030204" pitchFamily="49" charset="0"/>
+                <a:cs typeface="Consolas" panose="020B0609020204030204" pitchFamily="49" charset="0"/>
+              </a:rPr>
+              <a:t>	;;</a:t>
+            </a:r>
+          </a:p>
+          <a:p>
+            <a:r>
+              <a:rPr lang="en-US" sz="800" dirty="0">
+                <a:solidFill>
+                  <a:srgbClr val="7030A0"/>
+                </a:solidFill>
+                <a:latin typeface="Consolas" panose="020B0609020204030204" pitchFamily="49" charset="0"/>
+                <a:cs typeface="Consolas" panose="020B0609020204030204" pitchFamily="49" charset="0"/>
+              </a:rPr>
+              <a:t>  stop)</a:t>
+            </a:r>
+          </a:p>
+          <a:p>
+            <a:r>
+              <a:rPr lang="en-US" sz="800" dirty="0">
+                <a:solidFill>
+                  <a:srgbClr val="7030A0"/>
+                </a:solidFill>
+                <a:latin typeface="Consolas" panose="020B0609020204030204" pitchFamily="49" charset="0"/>
+                <a:cs typeface="Consolas" panose="020B0609020204030204" pitchFamily="49" charset="0"/>
+              </a:rPr>
+              <a:t>	echo -n "Stopping network..."</a:t>
+            </a:r>
+          </a:p>
+          <a:p>
+            <a:r>
+              <a:rPr lang="en-US" sz="800" dirty="0">
+                <a:solidFill>
+                  <a:srgbClr val="7030A0"/>
+                </a:solidFill>
+                <a:latin typeface="Consolas" panose="020B0609020204030204" pitchFamily="49" charset="0"/>
+                <a:cs typeface="Consolas" panose="020B0609020204030204" pitchFamily="49" charset="0"/>
+              </a:rPr>
+              <a:t>	/</a:t>
+            </a:r>
+            <a:r>
+              <a:rPr lang="en-US" sz="800" dirty="0" err="1">
+                <a:solidFill>
+                  <a:srgbClr val="7030A0"/>
+                </a:solidFill>
+                <a:latin typeface="Consolas" panose="020B0609020204030204" pitchFamily="49" charset="0"/>
+                <a:cs typeface="Consolas" panose="020B0609020204030204" pitchFamily="49" charset="0"/>
+              </a:rPr>
+              <a:t>sbin</a:t>
+            </a:r>
+            <a:r>
+              <a:rPr lang="en-US" sz="800" dirty="0">
+                <a:solidFill>
+                  <a:srgbClr val="7030A0"/>
+                </a:solidFill>
+                <a:latin typeface="Consolas" panose="020B0609020204030204" pitchFamily="49" charset="0"/>
+                <a:cs typeface="Consolas" panose="020B0609020204030204" pitchFamily="49" charset="0"/>
+              </a:rPr>
+              <a:t>/</a:t>
+            </a:r>
+            <a:r>
+              <a:rPr lang="en-US" sz="800" dirty="0" err="1">
+                <a:solidFill>
+                  <a:srgbClr val="7030A0"/>
+                </a:solidFill>
+                <a:latin typeface="Consolas" panose="020B0609020204030204" pitchFamily="49" charset="0"/>
+                <a:cs typeface="Consolas" panose="020B0609020204030204" pitchFamily="49" charset="0"/>
+              </a:rPr>
+              <a:t>ifdown</a:t>
+            </a:r>
+            <a:r>
+              <a:rPr lang="en-US" sz="800" dirty="0">
+                <a:solidFill>
+                  <a:srgbClr val="7030A0"/>
+                </a:solidFill>
+                <a:latin typeface="Consolas" panose="020B0609020204030204" pitchFamily="49" charset="0"/>
+                <a:cs typeface="Consolas" panose="020B0609020204030204" pitchFamily="49" charset="0"/>
+              </a:rPr>
+              <a:t> -a</a:t>
+            </a:r>
+          </a:p>
+          <a:p>
+            <a:r>
+              <a:rPr lang="en-US" sz="800" dirty="0">
+                <a:solidFill>
+                  <a:srgbClr val="7030A0"/>
+                </a:solidFill>
+                <a:latin typeface="Consolas" panose="020B0609020204030204" pitchFamily="49" charset="0"/>
+                <a:cs typeface="Consolas" panose="020B0609020204030204" pitchFamily="49" charset="0"/>
+              </a:rPr>
+              <a:t>	;;</a:t>
+            </a:r>
+          </a:p>
+          <a:p>
+            <a:r>
+              <a:rPr lang="en-US" sz="800" dirty="0">
+                <a:solidFill>
+                  <a:srgbClr val="7030A0"/>
+                </a:solidFill>
+                <a:latin typeface="Consolas" panose="020B0609020204030204" pitchFamily="49" charset="0"/>
+                <a:cs typeface="Consolas" panose="020B0609020204030204" pitchFamily="49" charset="0"/>
+              </a:rPr>
+              <a:t>  </a:t>
+            </a:r>
+            <a:r>
+              <a:rPr lang="en-US" sz="800" dirty="0" err="1">
+                <a:solidFill>
+                  <a:srgbClr val="7030A0"/>
+                </a:solidFill>
+                <a:latin typeface="Consolas" panose="020B0609020204030204" pitchFamily="49" charset="0"/>
+                <a:cs typeface="Consolas" panose="020B0609020204030204" pitchFamily="49" charset="0"/>
+              </a:rPr>
+              <a:t>restart|reload</a:t>
+            </a:r>
+            <a:r>
+              <a:rPr lang="en-US" sz="800" dirty="0">
+                <a:solidFill>
+                  <a:srgbClr val="7030A0"/>
+                </a:solidFill>
+                <a:latin typeface="Consolas" panose="020B0609020204030204" pitchFamily="49" charset="0"/>
+                <a:cs typeface="Consolas" panose="020B0609020204030204" pitchFamily="49" charset="0"/>
+              </a:rPr>
+              <a:t>)</a:t>
+            </a:r>
+          </a:p>
+          <a:p>
+            <a:r>
+              <a:rPr lang="en-US" sz="800" dirty="0">
+                <a:solidFill>
+                  <a:srgbClr val="7030A0"/>
+                </a:solidFill>
+                <a:latin typeface="Consolas" panose="020B0609020204030204" pitchFamily="49" charset="0"/>
+                <a:cs typeface="Consolas" panose="020B0609020204030204" pitchFamily="49" charset="0"/>
+              </a:rPr>
+              <a:t>	"$0" stop</a:t>
+            </a:r>
+          </a:p>
+          <a:p>
+            <a:r>
+              <a:rPr lang="en-US" sz="800" dirty="0">
+                <a:solidFill>
+                  <a:srgbClr val="7030A0"/>
+                </a:solidFill>
+                <a:latin typeface="Consolas" panose="020B0609020204030204" pitchFamily="49" charset="0"/>
+                <a:cs typeface="Consolas" panose="020B0609020204030204" pitchFamily="49" charset="0"/>
+              </a:rPr>
+              <a:t>	"$0" start</a:t>
+            </a:r>
+          </a:p>
+          <a:p>
+            <a:r>
+              <a:rPr lang="en-US" sz="800" dirty="0">
+                <a:solidFill>
+                  <a:srgbClr val="7030A0"/>
+                </a:solidFill>
+                <a:latin typeface="Consolas" panose="020B0609020204030204" pitchFamily="49" charset="0"/>
+                <a:cs typeface="Consolas" panose="020B0609020204030204" pitchFamily="49" charset="0"/>
+              </a:rPr>
+              <a:t>	;;</a:t>
+            </a:r>
+          </a:p>
+          <a:p>
+            <a:r>
+              <a:rPr lang="en-US" sz="800" dirty="0">
+                <a:solidFill>
+                  <a:srgbClr val="7030A0"/>
+                </a:solidFill>
+                <a:latin typeface="Consolas" panose="020B0609020204030204" pitchFamily="49" charset="0"/>
+                <a:cs typeface="Consolas" panose="020B0609020204030204" pitchFamily="49" charset="0"/>
+              </a:rPr>
+              <a:t>  *)</a:t>
+            </a:r>
+          </a:p>
+          <a:p>
+            <a:r>
+              <a:rPr lang="en-US" sz="800" dirty="0">
+                <a:solidFill>
+                  <a:srgbClr val="7030A0"/>
+                </a:solidFill>
+                <a:latin typeface="Consolas" panose="020B0609020204030204" pitchFamily="49" charset="0"/>
+                <a:cs typeface="Consolas" panose="020B0609020204030204" pitchFamily="49" charset="0"/>
+              </a:rPr>
+              <a:t>	echo "Usage: $0 {</a:t>
+            </a:r>
+            <a:r>
+              <a:rPr lang="en-US" sz="800" dirty="0" err="1">
+                <a:solidFill>
+                  <a:srgbClr val="7030A0"/>
+                </a:solidFill>
+                <a:latin typeface="Consolas" panose="020B0609020204030204" pitchFamily="49" charset="0"/>
+                <a:cs typeface="Consolas" panose="020B0609020204030204" pitchFamily="49" charset="0"/>
+              </a:rPr>
+              <a:t>start|stop|restart</a:t>
+            </a:r>
+            <a:r>
+              <a:rPr lang="en-US" sz="800" dirty="0">
+                <a:solidFill>
+                  <a:srgbClr val="7030A0"/>
+                </a:solidFill>
+                <a:latin typeface="Consolas" panose="020B0609020204030204" pitchFamily="49" charset="0"/>
+                <a:cs typeface="Consolas" panose="020B0609020204030204" pitchFamily="49" charset="0"/>
+              </a:rPr>
+              <a:t>}"</a:t>
+            </a:r>
+          </a:p>
+          <a:p>
+            <a:r>
+              <a:rPr lang="en-US" sz="800" dirty="0">
+                <a:solidFill>
+                  <a:srgbClr val="7030A0"/>
+                </a:solidFill>
+                <a:latin typeface="Consolas" panose="020B0609020204030204" pitchFamily="49" charset="0"/>
+                <a:cs typeface="Consolas" panose="020B0609020204030204" pitchFamily="49" charset="0"/>
+              </a:rPr>
+              <a:t>	exit 1</a:t>
+            </a:r>
+          </a:p>
+          <a:p>
+            <a:r>
+              <a:rPr lang="en-US" sz="800" dirty="0" err="1">
+                <a:solidFill>
+                  <a:srgbClr val="7030A0"/>
+                </a:solidFill>
+                <a:latin typeface="Consolas" panose="020B0609020204030204" pitchFamily="49" charset="0"/>
+                <a:cs typeface="Consolas" panose="020B0609020204030204" pitchFamily="49" charset="0"/>
+              </a:rPr>
+              <a:t>esac</a:t>
+            </a:r>
+            <a:endParaRPr lang="en-US" sz="800" dirty="0">
+              <a:solidFill>
+                <a:srgbClr val="7030A0"/>
+              </a:solidFill>
+              <a:latin typeface="Consolas" panose="020B0609020204030204" pitchFamily="49" charset="0"/>
+              <a:cs typeface="Consolas" panose="020B0609020204030204" pitchFamily="49" charset="0"/>
+            </a:endParaRPr>
+          </a:p>
+          <a:p>
+            <a:endParaRPr lang="en-US" sz="800" dirty="0">
+              <a:solidFill>
+                <a:srgbClr val="7030A0"/>
+              </a:solidFill>
+              <a:latin typeface="Consolas" panose="020B0609020204030204" pitchFamily="49" charset="0"/>
+              <a:cs typeface="Consolas" panose="020B0609020204030204" pitchFamily="49" charset="0"/>
+            </a:endParaRPr>
+          </a:p>
+          <a:p>
+            <a:r>
+              <a:rPr lang="en-US" sz="800" dirty="0">
+                <a:solidFill>
+                  <a:srgbClr val="7030A0"/>
+                </a:solidFill>
+                <a:latin typeface="Consolas" panose="020B0609020204030204" pitchFamily="49" charset="0"/>
+                <a:cs typeface="Consolas" panose="020B0609020204030204" pitchFamily="49" charset="0"/>
+              </a:rPr>
+              <a:t>exit $?</a:t>
+            </a:r>
+          </a:p>
+          <a:p>
+            <a:endParaRPr lang="en-US" sz="800" dirty="0">
+              <a:solidFill>
+                <a:srgbClr val="7030A0"/>
+              </a:solidFill>
+              <a:latin typeface="Consolas" panose="020B0609020204030204" pitchFamily="49" charset="0"/>
+              <a:cs typeface="Consolas" panose="020B0609020204030204" pitchFamily="49" charset="0"/>
+            </a:endParaRPr>
+          </a:p>
+        </p:txBody>
+      </p:sp>
+    </p:spTree>
+    <p:extLst>
+      <p:ext uri="{BB962C8B-B14F-4D97-AF65-F5344CB8AC3E}">
+        <p14:creationId xmlns:p14="http://schemas.microsoft.com/office/powerpoint/2010/main" val="1789720635"/>
+      </p:ext>
+    </p:extLst>
+  </p:cSld>
+  <p:clrMapOvr>
+    <a:masterClrMapping/>
+  </p:clrMapOvr>
+  <p:timing>
+    <p:tnLst>
+      <p:par>
+        <p:cTn id="1" dur="indefinite" restart="never" nodeType="tmRoot"/>
+      </p:par>
+    </p:tnLst>
+  </p:timing>
+</p:sld>
+</file>
+
+<file path=ppt/slides/slide3.xml><?xml version="1.0" encoding="utf-8"?>
+<p:sld xmlns:a="http://schemas.openxmlformats.org/drawingml/2006/main" xmlns:r="http://schemas.openxmlformats.org/officeDocument/2006/relationships" xmlns:p="http://schemas.openxmlformats.org/presentationml/2006/main">
+  <p:cSld>
+    <p:spTree>
+      <p:nvGrpSpPr>
+        <p:cNvPr id="1" name=""/>
+        <p:cNvGrpSpPr/>
+        <p:nvPr/>
+      </p:nvGrpSpPr>
+      <p:grpSpPr>
+        <a:xfrm>
+          <a:off x="0" y="0"/>
+          <a:ext cx="0" cy="0"/>
+          <a:chOff x="0" y="0"/>
+          <a:chExt cx="0" cy="0"/>
+        </a:xfrm>
+      </p:grpSpPr>
+      <p:sp>
+        <p:nvSpPr>
+          <p:cNvPr id="2" name="Title 1"/>
+          <p:cNvSpPr>
+            <a:spLocks noGrp="1"/>
+          </p:cNvSpPr>
+          <p:nvPr>
+            <p:ph type="title"/>
+          </p:nvPr>
+        </p:nvSpPr>
+        <p:spPr/>
+        <p:txBody>
+          <a:bodyPr/>
+          <a:lstStyle/>
+          <a:p>
+            <a:r>
+              <a:rPr lang="en-US" dirty="0" err="1" smtClean="0"/>
+              <a:t>Buildroot</a:t>
+            </a:r>
+            <a:r>
+              <a:rPr lang="en-US" dirty="0" smtClean="0"/>
+              <a:t> Main Characteristics</a:t>
+            </a:r>
+            <a:endParaRPr lang="en-US" dirty="0"/>
+          </a:p>
+        </p:txBody>
+      </p:sp>
+      <p:sp>
+        <p:nvSpPr>
+          <p:cNvPr id="3" name="Content Placeholder 2"/>
+          <p:cNvSpPr>
+            <a:spLocks noGrp="1"/>
+          </p:cNvSpPr>
+          <p:nvPr>
+            <p:ph idx="1"/>
+          </p:nvPr>
+        </p:nvSpPr>
+        <p:spPr/>
+        <p:txBody>
+          <a:bodyPr>
+            <a:normAutofit/>
+          </a:bodyPr>
+          <a:lstStyle/>
+          <a:p>
+            <a:r>
+              <a:rPr lang="en-US" dirty="0" smtClean="0"/>
+              <a:t>Based on well-known technologies:</a:t>
+            </a:r>
+          </a:p>
+          <a:p>
+            <a:pPr lvl="1"/>
+            <a:r>
+              <a:rPr lang="en-US" dirty="0" err="1" smtClean="0"/>
+              <a:t>kconfig</a:t>
+            </a:r>
+            <a:r>
+              <a:rPr lang="en-US" dirty="0" smtClean="0"/>
+              <a:t> for the configuration interface and language</a:t>
+            </a:r>
+          </a:p>
+          <a:p>
+            <a:pPr lvl="1"/>
+            <a:r>
+              <a:rPr lang="en-US" smtClean="0"/>
+              <a:t>make </a:t>
+            </a:r>
+            <a:r>
+              <a:rPr lang="en-US" dirty="0" smtClean="0"/>
+              <a:t>for the </a:t>
+            </a:r>
+            <a:r>
+              <a:rPr lang="en-US" smtClean="0"/>
+              <a:t>build logic</a:t>
+            </a:r>
+            <a:endParaRPr lang="en-US" dirty="0" smtClean="0"/>
+          </a:p>
+          <a:p>
+            <a:pPr lvl="1"/>
+            <a:r>
+              <a:rPr lang="en-US" dirty="0" smtClean="0"/>
+              <a:t>These technologies are familiar to all embedded Linux developers.</a:t>
+            </a:r>
+          </a:p>
+          <a:p>
+            <a:endParaRPr lang="en-US" dirty="0" smtClean="0"/>
+          </a:p>
+          <a:p>
+            <a:r>
+              <a:rPr lang="en-US" dirty="0" smtClean="0"/>
+              <a:t>Very simple to use, and easily </a:t>
+            </a:r>
+            <a:r>
+              <a:rPr lang="en-US" dirty="0" err="1" smtClean="0"/>
+              <a:t>hackable</a:t>
+            </a:r>
+            <a:r>
+              <a:rPr lang="en-US" dirty="0" smtClean="0"/>
+              <a:t> code base. The core infrastructure is a few hundred lines of make code.</a:t>
+            </a:r>
+          </a:p>
+          <a:p>
+            <a:endParaRPr lang="en-US" dirty="0" smtClean="0"/>
+          </a:p>
+          <a:p>
+            <a:r>
+              <a:rPr lang="en-US" dirty="0" smtClean="0"/>
+              <a:t>Fast. It does really build only what’s necessary. The base system, composed only of </a:t>
+            </a:r>
+            <a:r>
+              <a:rPr lang="en-US" dirty="0" err="1" smtClean="0"/>
+              <a:t>BusyBox</a:t>
+            </a:r>
+            <a:r>
+              <a:rPr lang="en-US" dirty="0" smtClean="0"/>
+              <a:t>, takes less than 3 minutes to build with an external </a:t>
+            </a:r>
+            <a:r>
+              <a:rPr lang="en-US" dirty="0" err="1" smtClean="0"/>
+              <a:t>toolchain</a:t>
+            </a:r>
+            <a:r>
+              <a:rPr lang="en-US" dirty="0" smtClean="0"/>
+              <a:t>.</a:t>
+            </a:r>
+          </a:p>
+          <a:p>
+            <a:endParaRPr lang="en-US" dirty="0" smtClean="0"/>
+          </a:p>
+          <a:p>
+            <a:r>
+              <a:rPr lang="en-US" dirty="0" smtClean="0"/>
+              <a:t>Designed for small to medium sized embedded systems. There is no runtime package management system (</a:t>
+            </a:r>
+            <a:r>
+              <a:rPr lang="en-US" dirty="0" err="1" smtClean="0"/>
+              <a:t>dpkg</a:t>
+            </a:r>
+            <a:r>
+              <a:rPr lang="en-US" dirty="0" smtClean="0"/>
+              <a:t>, rpm). Complete rebuilds are often required. Well-suited for systems with a limited number of components.</a:t>
+            </a:r>
+          </a:p>
+          <a:p>
+            <a:endParaRPr lang="en-US" dirty="0"/>
+          </a:p>
+        </p:txBody>
+      </p:sp>
+    </p:spTree>
+    <p:extLst>
+      <p:ext uri="{BB962C8B-B14F-4D97-AF65-F5344CB8AC3E}">
+        <p14:creationId xmlns:p14="http://schemas.microsoft.com/office/powerpoint/2010/main" val="190267800"/>
+      </p:ext>
+    </p:extLst>
+  </p:cSld>
+  <p:clrMapOvr>
+    <a:masterClrMapping/>
+  </p:clrMapOvr>
+  <p:timing>
+    <p:tnLst>
+      <p:par>
+        <p:cTn id="1" dur="indefinite" restart="never" nodeType="tmRoot"/>
+      </p:par>
+    </p:tnLst>
+  </p:timing>
+</p:sld>
+</file>
+
+<file path=ppt/slides/slide30.xml><?xml version="1.0" encoding="utf-8"?>
+<p:sld xmlns:a="http://schemas.openxmlformats.org/drawingml/2006/main" xmlns:r="http://schemas.openxmlformats.org/officeDocument/2006/relationships" xmlns:p="http://schemas.openxmlformats.org/presentationml/2006/main">
+  <p:cSld>
+    <p:spTree>
+      <p:nvGrpSpPr>
+        <p:cNvPr id="1" name=""/>
+        <p:cNvGrpSpPr/>
+        <p:nvPr/>
+      </p:nvGrpSpPr>
+      <p:grpSpPr>
+        <a:xfrm>
+          <a:off x="0" y="0"/>
+          <a:ext cx="0" cy="0"/>
+          <a:chOff x="0" y="0"/>
+          <a:chExt cx="0" cy="0"/>
+        </a:xfrm>
+      </p:grpSpPr>
+      <p:sp>
+        <p:nvSpPr>
+          <p:cNvPr id="2" name="Title 1"/>
+          <p:cNvSpPr>
+            <a:spLocks noGrp="1"/>
+          </p:cNvSpPr>
+          <p:nvPr>
+            <p:ph type="title"/>
+          </p:nvPr>
+        </p:nvSpPr>
+        <p:spPr/>
+        <p:txBody>
           <a:bodyPr>
             <a:normAutofit/>
           </a:bodyPr>
@@ -10795,7 +12332,7 @@
 </p:sld>
 </file>
 
-<file path=ppt/slides/slide29.xml><?xml version="1.0" encoding="utf-8"?>
+<file path=ppt/slides/slide31.xml><?xml version="1.0" encoding="utf-8"?>
 <p:sld xmlns:a="http://schemas.openxmlformats.org/drawingml/2006/main" xmlns:r="http://schemas.openxmlformats.org/officeDocument/2006/relationships" xmlns:p="http://schemas.openxmlformats.org/presentationml/2006/main">
   <p:cSld>
     <p:spTree>
@@ -11032,537 +12569,6 @@
 </p:sld>
 </file>
 
-<file path=ppt/slides/slide3.xml><?xml version="1.0" encoding="utf-8"?>
-<p:sld xmlns:a="http://schemas.openxmlformats.org/drawingml/2006/main" xmlns:r="http://schemas.openxmlformats.org/officeDocument/2006/relationships" xmlns:p="http://schemas.openxmlformats.org/presentationml/2006/main">
-  <p:cSld>
-    <p:spTree>
-      <p:nvGrpSpPr>
-        <p:cNvPr id="1" name=""/>
-        <p:cNvGrpSpPr/>
-        <p:nvPr/>
-      </p:nvGrpSpPr>
-      <p:grpSpPr>
-        <a:xfrm>
-          <a:off x="0" y="0"/>
-          <a:ext cx="0" cy="0"/>
-          <a:chOff x="0" y="0"/>
-          <a:chExt cx="0" cy="0"/>
-        </a:xfrm>
-      </p:grpSpPr>
-      <p:sp>
-        <p:nvSpPr>
-          <p:cNvPr id="2" name="Title 1"/>
-          <p:cNvSpPr>
-            <a:spLocks noGrp="1"/>
-          </p:cNvSpPr>
-          <p:nvPr>
-            <p:ph type="title"/>
-          </p:nvPr>
-        </p:nvSpPr>
-        <p:spPr/>
-        <p:txBody>
-          <a:bodyPr/>
-          <a:lstStyle/>
-          <a:p>
-            <a:r>
-              <a:rPr lang="en-US" dirty="0" err="1" smtClean="0"/>
-              <a:t>Buildroot</a:t>
-            </a:r>
-            <a:r>
-              <a:rPr lang="en-US" dirty="0" smtClean="0"/>
-              <a:t> Main Characteristics</a:t>
-            </a:r>
-            <a:endParaRPr lang="en-US" dirty="0"/>
-          </a:p>
-        </p:txBody>
-      </p:sp>
-      <p:sp>
-        <p:nvSpPr>
-          <p:cNvPr id="3" name="Content Placeholder 2"/>
-          <p:cNvSpPr>
-            <a:spLocks noGrp="1"/>
-          </p:cNvSpPr>
-          <p:nvPr>
-            <p:ph idx="1"/>
-          </p:nvPr>
-        </p:nvSpPr>
-        <p:spPr/>
-        <p:txBody>
-          <a:bodyPr>
-            <a:normAutofit/>
-          </a:bodyPr>
-          <a:lstStyle/>
-          <a:p>
-            <a:r>
-              <a:rPr lang="en-US" dirty="0" smtClean="0"/>
-              <a:t>Based on well-known </a:t>
-            </a:r>
-            <a:r>
-              <a:rPr lang="en-US" dirty="0" smtClean="0"/>
-              <a:t>technologies:</a:t>
-            </a:r>
-          </a:p>
-          <a:p>
-            <a:pPr lvl="1"/>
-            <a:r>
-              <a:rPr lang="en-US" dirty="0" err="1" smtClean="0"/>
-              <a:t>kconfig</a:t>
-            </a:r>
-            <a:r>
-              <a:rPr lang="en-US" dirty="0" smtClean="0"/>
-              <a:t> </a:t>
-            </a:r>
-            <a:r>
-              <a:rPr lang="en-US" dirty="0" smtClean="0"/>
-              <a:t>for the configuration interface and </a:t>
-            </a:r>
-            <a:r>
-              <a:rPr lang="en-US" dirty="0" smtClean="0"/>
-              <a:t>language</a:t>
-            </a:r>
-          </a:p>
-          <a:p>
-            <a:pPr lvl="1"/>
-            <a:r>
-              <a:rPr lang="en-US" smtClean="0"/>
-              <a:t>make </a:t>
-            </a:r>
-            <a:r>
-              <a:rPr lang="en-US" dirty="0" smtClean="0"/>
-              <a:t>for the </a:t>
-            </a:r>
-            <a:r>
-              <a:rPr lang="en-US" smtClean="0"/>
-              <a:t>build </a:t>
-            </a:r>
-            <a:r>
-              <a:rPr lang="en-US" smtClean="0"/>
-              <a:t>logic</a:t>
-            </a:r>
-            <a:endParaRPr lang="en-US" dirty="0" smtClean="0"/>
-          </a:p>
-          <a:p>
-            <a:pPr lvl="1"/>
-            <a:r>
-              <a:rPr lang="en-US" dirty="0" smtClean="0"/>
-              <a:t>These technologies are familiar to all embedded Linux developers.</a:t>
-            </a:r>
-          </a:p>
-          <a:p>
-            <a:endParaRPr lang="en-US" dirty="0" smtClean="0"/>
-          </a:p>
-          <a:p>
-            <a:r>
-              <a:rPr lang="en-US" dirty="0" smtClean="0"/>
-              <a:t>Very simple to use, and easily </a:t>
-            </a:r>
-            <a:r>
-              <a:rPr lang="en-US" dirty="0" err="1" smtClean="0"/>
-              <a:t>hackable</a:t>
-            </a:r>
-            <a:r>
-              <a:rPr lang="en-US" dirty="0" smtClean="0"/>
-              <a:t> code base. The core infrastructure is a few hundred lines of make code.</a:t>
-            </a:r>
-          </a:p>
-          <a:p>
-            <a:endParaRPr lang="en-US" dirty="0" smtClean="0"/>
-          </a:p>
-          <a:p>
-            <a:r>
-              <a:rPr lang="en-US" dirty="0" smtClean="0"/>
-              <a:t>Fast. It does really build only what’s necessary. The base system, composed only of </a:t>
-            </a:r>
-            <a:r>
-              <a:rPr lang="en-US" dirty="0" err="1" smtClean="0"/>
-              <a:t>BusyBox</a:t>
-            </a:r>
-            <a:r>
-              <a:rPr lang="en-US" dirty="0" smtClean="0"/>
-              <a:t>, takes less than 3 minutes to build with an external </a:t>
-            </a:r>
-            <a:r>
-              <a:rPr lang="en-US" dirty="0" err="1" smtClean="0"/>
-              <a:t>toolchain</a:t>
-            </a:r>
-            <a:r>
-              <a:rPr lang="en-US" dirty="0" smtClean="0"/>
-              <a:t>.</a:t>
-            </a:r>
-          </a:p>
-          <a:p>
-            <a:endParaRPr lang="en-US" dirty="0" smtClean="0"/>
-          </a:p>
-          <a:p>
-            <a:r>
-              <a:rPr lang="en-US" dirty="0" smtClean="0"/>
-              <a:t>Designed for small to medium sized embedded systems. There is no runtime package management system (</a:t>
-            </a:r>
-            <a:r>
-              <a:rPr lang="en-US" dirty="0" err="1" smtClean="0"/>
-              <a:t>dpkg</a:t>
-            </a:r>
-            <a:r>
-              <a:rPr lang="en-US" dirty="0" smtClean="0"/>
-              <a:t>, rpm). Complete rebuilds are often required. Well-suited for systems with a limited number of components.</a:t>
-            </a:r>
-          </a:p>
-          <a:p>
-            <a:endParaRPr lang="en-US" dirty="0"/>
-          </a:p>
-        </p:txBody>
-      </p:sp>
-    </p:spTree>
-    <p:extLst>
-      <p:ext uri="{BB962C8B-B14F-4D97-AF65-F5344CB8AC3E}">
-        <p14:creationId xmlns:p14="http://schemas.microsoft.com/office/powerpoint/2010/main" val="190267800"/>
-      </p:ext>
-    </p:extLst>
-  </p:cSld>
-  <p:clrMapOvr>
-    <a:masterClrMapping/>
-  </p:clrMapOvr>
-  <p:timing>
-    <p:tnLst>
-      <p:par>
-        <p:cTn id="1" dur="indefinite" restart="never" nodeType="tmRoot"/>
-      </p:par>
-    </p:tnLst>
-  </p:timing>
-</p:sld>
-</file>
-
-<file path=ppt/slides/slide30.xml><?xml version="1.0" encoding="utf-8"?>
-<p:sld xmlns:a="http://schemas.openxmlformats.org/drawingml/2006/main" xmlns:r="http://schemas.openxmlformats.org/officeDocument/2006/relationships" xmlns:p="http://schemas.openxmlformats.org/presentationml/2006/main">
-  <p:cSld>
-    <p:spTree>
-      <p:nvGrpSpPr>
-        <p:cNvPr id="1" name=""/>
-        <p:cNvGrpSpPr/>
-        <p:nvPr/>
-      </p:nvGrpSpPr>
-      <p:grpSpPr>
-        <a:xfrm>
-          <a:off x="0" y="0"/>
-          <a:ext cx="0" cy="0"/>
-          <a:chOff x="0" y="0"/>
-          <a:chExt cx="0" cy="0"/>
-        </a:xfrm>
-      </p:grpSpPr>
-      <p:sp>
-        <p:nvSpPr>
-          <p:cNvPr id="2" name="Title 1"/>
-          <p:cNvSpPr>
-            <a:spLocks noGrp="1"/>
-          </p:cNvSpPr>
-          <p:nvPr>
-            <p:ph type="title"/>
-          </p:nvPr>
-        </p:nvSpPr>
-        <p:spPr/>
-        <p:txBody>
-          <a:bodyPr/>
-          <a:lstStyle/>
-          <a:p>
-            <a:r>
-              <a:rPr lang="en-US"/>
-              <a:t>Adding an SSH daemon</a:t>
-            </a:r>
-          </a:p>
-        </p:txBody>
-      </p:sp>
-      <p:sp>
-        <p:nvSpPr>
-          <p:cNvPr id="3" name="Content Placeholder 2"/>
-          <p:cNvSpPr>
-            <a:spLocks noGrp="1"/>
-          </p:cNvSpPr>
-          <p:nvPr>
-            <p:ph idx="1"/>
-          </p:nvPr>
-        </p:nvSpPr>
-        <p:spPr/>
-        <p:txBody>
-          <a:bodyPr/>
-          <a:lstStyle/>
-          <a:p>
-            <a:r>
-              <a:rPr lang="en-US" dirty="0" err="1" smtClean="0"/>
-              <a:t>Dropbear</a:t>
-            </a:r>
-            <a:r>
-              <a:rPr lang="en-US" dirty="0" smtClean="0"/>
-              <a:t> will not allow a user to login with a user account which does not have a password</a:t>
-            </a:r>
-          </a:p>
-          <a:p>
-            <a:pPr lvl="1"/>
-            <a:r>
-              <a:rPr lang="en-US" dirty="0" smtClean="0"/>
-              <a:t>The root account does not have a password</a:t>
-            </a:r>
-            <a:r>
-              <a:rPr lang="en-US" dirty="0"/>
-              <a:t> </a:t>
-            </a:r>
-            <a:r>
-              <a:rPr lang="en-US" dirty="0" smtClean="0"/>
-              <a:t>default</a:t>
-            </a:r>
-          </a:p>
-          <a:p>
-            <a:pPr lvl="1"/>
-            <a:endParaRPr lang="en-US" dirty="0"/>
-          </a:p>
-          <a:p>
-            <a:r>
-              <a:rPr lang="en-US" dirty="0" smtClean="0"/>
-              <a:t>Navigate to</a:t>
-            </a:r>
-          </a:p>
-          <a:p>
-            <a:endParaRPr lang="en-US" dirty="0"/>
-          </a:p>
-          <a:p>
-            <a:r>
-              <a:rPr lang="en-US" dirty="0" smtClean="0"/>
-              <a:t>and set a “Root password” </a:t>
-            </a:r>
-            <a:endParaRPr lang="en-US" dirty="0"/>
-          </a:p>
-        </p:txBody>
-      </p:sp>
-      <p:sp>
-        <p:nvSpPr>
-          <p:cNvPr id="4" name="TextBox 3"/>
-          <p:cNvSpPr txBox="1"/>
-          <p:nvPr/>
-        </p:nvSpPr>
-        <p:spPr>
-          <a:xfrm>
-            <a:off x="2262769" y="2915565"/>
-            <a:ext cx="2076209" cy="300082"/>
-          </a:xfrm>
-          <a:prstGeom prst="rect">
-            <a:avLst/>
-          </a:prstGeom>
-          <a:noFill/>
-        </p:spPr>
-        <p:txBody>
-          <a:bodyPr wrap="none" rtlCol="0">
-            <a:spAutoFit/>
-          </a:bodyPr>
-          <a:lstStyle/>
-          <a:p>
-            <a:r>
-              <a:rPr lang="en-US" sz="1350" dirty="0" smtClean="0">
-                <a:solidFill>
-                  <a:srgbClr val="7030A0"/>
-                </a:solidFill>
-                <a:latin typeface="Consolas" panose="020B0609020204030204" pitchFamily="49" charset="0"/>
-                <a:cs typeface="Consolas" panose="020B0609020204030204" pitchFamily="49" charset="0"/>
-              </a:rPr>
-              <a:t>System Configuration</a:t>
-            </a:r>
-          </a:p>
-        </p:txBody>
-      </p:sp>
-    </p:spTree>
-    <p:extLst>
-      <p:ext uri="{BB962C8B-B14F-4D97-AF65-F5344CB8AC3E}">
-        <p14:creationId xmlns:p14="http://schemas.microsoft.com/office/powerpoint/2010/main" val="2716267677"/>
-      </p:ext>
-    </p:extLst>
-  </p:cSld>
-  <p:clrMapOvr>
-    <a:masterClrMapping/>
-  </p:clrMapOvr>
-  <p:timing>
-    <p:tnLst>
-      <p:par>
-        <p:cTn id="1" dur="indefinite" restart="never" nodeType="tmRoot"/>
-      </p:par>
-    </p:tnLst>
-  </p:timing>
-</p:sld>
-</file>
-
-<file path=ppt/slides/slide31.xml><?xml version="1.0" encoding="utf-8"?>
-<p:sld xmlns:a="http://schemas.openxmlformats.org/drawingml/2006/main" xmlns:r="http://schemas.openxmlformats.org/officeDocument/2006/relationships" xmlns:p="http://schemas.openxmlformats.org/presentationml/2006/main">
-  <p:cSld>
-    <p:spTree>
-      <p:nvGrpSpPr>
-        <p:cNvPr id="1" name=""/>
-        <p:cNvGrpSpPr/>
-        <p:nvPr/>
-      </p:nvGrpSpPr>
-      <p:grpSpPr>
-        <a:xfrm>
-          <a:off x="0" y="0"/>
-          <a:ext cx="0" cy="0"/>
-          <a:chOff x="0" y="0"/>
-          <a:chExt cx="0" cy="0"/>
-        </a:xfrm>
-      </p:grpSpPr>
-      <p:sp>
-        <p:nvSpPr>
-          <p:cNvPr id="2" name="Title 1"/>
-          <p:cNvSpPr>
-            <a:spLocks noGrp="1"/>
-          </p:cNvSpPr>
-          <p:nvPr>
-            <p:ph type="title"/>
-          </p:nvPr>
-        </p:nvSpPr>
-        <p:spPr/>
-        <p:txBody>
-          <a:bodyPr/>
-          <a:lstStyle/>
-          <a:p>
-            <a:r>
-              <a:rPr lang="en-US" dirty="0"/>
-              <a:t>Adding an SSH daemon</a:t>
-            </a:r>
-          </a:p>
-        </p:txBody>
-      </p:sp>
-      <p:sp>
-        <p:nvSpPr>
-          <p:cNvPr id="3" name="Content Placeholder 2"/>
-          <p:cNvSpPr>
-            <a:spLocks noGrp="1"/>
-          </p:cNvSpPr>
-          <p:nvPr>
-            <p:ph idx="1"/>
-          </p:nvPr>
-        </p:nvSpPr>
-        <p:spPr/>
-        <p:txBody>
-          <a:bodyPr/>
-          <a:lstStyle/>
-          <a:p>
-            <a:r>
-              <a:rPr lang="en-US" dirty="0" smtClean="0"/>
-              <a:t>Save the configuration and issue a make command</a:t>
-            </a:r>
-          </a:p>
-          <a:p>
-            <a:endParaRPr lang="en-US" dirty="0"/>
-          </a:p>
-          <a:p>
-            <a:r>
-              <a:rPr lang="en-US" dirty="0" smtClean="0"/>
-              <a:t>Execute the sdcard.sh shell script</a:t>
-            </a:r>
-          </a:p>
-          <a:p>
-            <a:endParaRPr lang="en-US" dirty="0"/>
-          </a:p>
-          <a:p>
-            <a:endParaRPr lang="en-US" dirty="0" smtClean="0"/>
-          </a:p>
-          <a:p>
-            <a:r>
-              <a:rPr lang="en-US" dirty="0" smtClean="0"/>
-              <a:t>Write the image to the SD card and reboot the Pi</a:t>
-            </a:r>
-          </a:p>
-          <a:p>
-            <a:pPr lvl="1"/>
-            <a:endParaRPr lang="en-US" dirty="0"/>
-          </a:p>
-        </p:txBody>
-      </p:sp>
-      <p:sp>
-        <p:nvSpPr>
-          <p:cNvPr id="4" name="TextBox 3"/>
-          <p:cNvSpPr txBox="1"/>
-          <p:nvPr/>
-        </p:nvSpPr>
-        <p:spPr>
-          <a:xfrm>
-            <a:off x="1815094" y="1991640"/>
-            <a:ext cx="752129" cy="300082"/>
-          </a:xfrm>
-          <a:prstGeom prst="rect">
-            <a:avLst/>
-          </a:prstGeom>
-          <a:noFill/>
-        </p:spPr>
-        <p:txBody>
-          <a:bodyPr wrap="none" rtlCol="0">
-            <a:spAutoFit/>
-          </a:bodyPr>
-          <a:lstStyle/>
-          <a:p>
-            <a:r>
-              <a:rPr lang="en-US" sz="1350" dirty="0" smtClean="0">
-                <a:solidFill>
-                  <a:srgbClr val="7030A0"/>
-                </a:solidFill>
-                <a:latin typeface="Consolas" panose="020B0609020204030204" pitchFamily="49" charset="0"/>
-                <a:cs typeface="Consolas" panose="020B0609020204030204" pitchFamily="49" charset="0"/>
-              </a:rPr>
-              <a:t>$ make</a:t>
-            </a:r>
-          </a:p>
-        </p:txBody>
-      </p:sp>
-      <p:sp>
-        <p:nvSpPr>
-          <p:cNvPr id="7" name="TextBox 6"/>
-          <p:cNvSpPr txBox="1"/>
-          <p:nvPr/>
-        </p:nvSpPr>
-        <p:spPr>
-          <a:xfrm>
-            <a:off x="1815094" y="2770436"/>
-            <a:ext cx="1414170" cy="300082"/>
-          </a:xfrm>
-          <a:prstGeom prst="rect">
-            <a:avLst/>
-          </a:prstGeom>
-          <a:noFill/>
-        </p:spPr>
-        <p:txBody>
-          <a:bodyPr wrap="none" rtlCol="0">
-            <a:spAutoFit/>
-          </a:bodyPr>
-          <a:lstStyle/>
-          <a:p>
-            <a:r>
-              <a:rPr lang="en-US" sz="1350" dirty="0" smtClean="0">
-                <a:solidFill>
-                  <a:srgbClr val="7030A0"/>
-                </a:solidFill>
-                <a:latin typeface="Consolas" panose="020B0609020204030204" pitchFamily="49" charset="0"/>
-                <a:cs typeface="Consolas" panose="020B0609020204030204" pitchFamily="49" charset="0"/>
-              </a:rPr>
-              <a:t>$ ~/sdcard.sh</a:t>
-            </a:r>
-          </a:p>
-        </p:txBody>
-      </p:sp>
-    </p:spTree>
-    <p:extLst>
-      <p:ext uri="{BB962C8B-B14F-4D97-AF65-F5344CB8AC3E}">
-        <p14:creationId xmlns:p14="http://schemas.microsoft.com/office/powerpoint/2010/main" val="3963292770"/>
-      </p:ext>
-    </p:extLst>
-  </p:cSld>
-  <p:clrMapOvr>
-    <a:masterClrMapping/>
-  </p:clrMapOvr>
-  <p:timing>
-    <p:tnLst>
-      <p:par>
-        <p:cTn id="1" dur="indefinite" restart="never" nodeType="tmRoot"/>
-      </p:par>
-    </p:tnLst>
-  </p:timing>
-</p:sld>
-</file>
-
 <file path=ppt/slides/slide32.xml><?xml version="1.0" encoding="utf-8"?>
 <p:sld xmlns:a="http://schemas.openxmlformats.org/drawingml/2006/main" xmlns:r="http://schemas.openxmlformats.org/officeDocument/2006/relationships" xmlns:p="http://schemas.openxmlformats.org/presentationml/2006/main">
   <p:cSld>
@@ -11596,90 +12602,69 @@
           <a:lstStyle/>
           <a:p>
             <a:r>
+              <a:rPr lang="en-US"/>
+              <a:t>Adding an SSH daemon</a:t>
+            </a:r>
+          </a:p>
+        </p:txBody>
+      </p:sp>
+      <p:sp>
+        <p:nvSpPr>
+          <p:cNvPr id="3" name="Content Placeholder 2"/>
+          <p:cNvSpPr>
+            <a:spLocks noGrp="1"/>
+          </p:cNvSpPr>
+          <p:nvPr>
+            <p:ph idx="1"/>
+          </p:nvPr>
+        </p:nvSpPr>
+        <p:spPr/>
+        <p:txBody>
+          <a:bodyPr/>
+          <a:lstStyle/>
+          <a:p>
+            <a:r>
+              <a:rPr lang="en-US" dirty="0" err="1" smtClean="0"/>
+              <a:t>Dropbear</a:t>
+            </a:r>
+            <a:r>
+              <a:rPr lang="en-US" dirty="0" smtClean="0"/>
+              <a:t> will not allow a user to login with a user account which does not have a password</a:t>
+            </a:r>
+          </a:p>
+          <a:p>
+            <a:pPr lvl="1"/>
+            <a:r>
+              <a:rPr lang="en-US" dirty="0" smtClean="0"/>
+              <a:t>The root account does not have a password</a:t>
+            </a:r>
+            <a:r>
               <a:rPr lang="en-US" dirty="0"/>
-              <a:t>Spawning a </a:t>
-            </a:r>
-            <a:r>
-              <a:rPr lang="en-US" dirty="0" err="1"/>
-              <a:t>getty</a:t>
-            </a:r>
-            <a:r>
-              <a:rPr lang="en-US" dirty="0"/>
-              <a:t> on the serial </a:t>
-            </a:r>
-            <a:r>
-              <a:rPr lang="en-US" dirty="0" smtClean="0"/>
-              <a:t>line</a:t>
-            </a:r>
+              <a:t> </a:t>
+            </a:r>
+            <a:r>
+              <a:rPr lang="en-US" dirty="0" smtClean="0"/>
+              <a:t>default</a:t>
+            </a:r>
+          </a:p>
+          <a:p>
+            <a:pPr lvl="1"/>
             <a:endParaRPr lang="en-US" dirty="0"/>
           </a:p>
-        </p:txBody>
-      </p:sp>
-      <p:sp>
-        <p:nvSpPr>
-          <p:cNvPr id="3" name="Content Placeholder 2"/>
-          <p:cNvSpPr>
-            <a:spLocks noGrp="1"/>
-          </p:cNvSpPr>
-          <p:nvPr>
-            <p:ph idx="1"/>
-          </p:nvPr>
-        </p:nvSpPr>
-        <p:spPr/>
-        <p:txBody>
-          <a:bodyPr/>
-          <a:lstStyle/>
-          <a:p>
-            <a:r>
-              <a:rPr lang="en-US" dirty="0" smtClean="0"/>
-              <a:t>To spawn a console to the serial line (necessary for debugging) you need to configure </a:t>
-            </a:r>
-            <a:r>
-              <a:rPr lang="en-US" dirty="0" err="1" smtClean="0"/>
-              <a:t>Buildroot</a:t>
-            </a:r>
-            <a:endParaRPr lang="en-US" dirty="0" smtClean="0"/>
+          <a:p>
+            <a:r>
+              <a:rPr lang="en-US" dirty="0" smtClean="0"/>
+              <a:t>Navigate to</a:t>
+            </a:r>
           </a:p>
           <a:p>
             <a:endParaRPr lang="en-US" dirty="0"/>
           </a:p>
           <a:p>
-            <a:endParaRPr lang="en-US" dirty="0" smtClean="0"/>
-          </a:p>
-          <a:p>
-            <a:r>
-              <a:rPr lang="en-US" dirty="0" smtClean="0"/>
-              <a:t>Navigate to</a:t>
-            </a:r>
-          </a:p>
-          <a:p>
-            <a:endParaRPr lang="en-US" dirty="0"/>
-          </a:p>
-          <a:p>
-            <a:endParaRPr lang="en-US" dirty="0" smtClean="0"/>
-          </a:p>
-          <a:p>
-            <a:r>
-              <a:rPr lang="en-US" dirty="0" smtClean="0"/>
-              <a:t>and change the “TTY port” to</a:t>
-            </a:r>
-          </a:p>
-          <a:p>
-            <a:endParaRPr lang="en-US" dirty="0"/>
-          </a:p>
-          <a:p>
-            <a:endParaRPr lang="en-US" dirty="0" smtClean="0"/>
-          </a:p>
-          <a:p>
-            <a:r>
-              <a:rPr lang="en-US" dirty="0" smtClean="0"/>
-              <a:t>which is the name of the serial port on the Raspberry Pi</a:t>
-            </a:r>
-          </a:p>
-          <a:p>
-            <a:endParaRPr lang="en-US" dirty="0"/>
-          </a:p>
-          <a:p>
+            <a:r>
+              <a:rPr lang="en-US" dirty="0" smtClean="0"/>
+              <a:t>and set a “Root password” </a:t>
+            </a:r>
             <a:endParaRPr lang="en-US" dirty="0"/>
           </a:p>
         </p:txBody>
@@ -11692,8 +12677,8 @@
         </p:nvSpPr>
         <p:spPr>
           <a:xfrm>
-            <a:off x="2196094" y="2426661"/>
-            <a:ext cx="1792478" cy="300082"/>
+            <a:off x="2262769" y="2915565"/>
+            <a:ext cx="2076209" cy="300082"/>
           </a:xfrm>
           <a:prstGeom prst="rect">
             <a:avLst/>
@@ -11714,158 +12699,7 @@
                 <a:latin typeface="Consolas" panose="020B0609020204030204" pitchFamily="49" charset="0"/>
                 <a:cs typeface="Consolas" panose="020B0609020204030204" pitchFamily="49" charset="0"/>
               </a:rPr>
-              <a:t>$ make </a:t>
-            </a:r>
-            <a:r>
-              <a:rPr lang="en-US" sz="1350" dirty="0" err="1" smtClean="0">
-                <a:solidFill>
-                  <a:srgbClr val="7030A0"/>
-                </a:solidFill>
-                <a:latin typeface="Consolas" panose="020B0609020204030204" pitchFamily="49" charset="0"/>
-                <a:cs typeface="Consolas" panose="020B0609020204030204" pitchFamily="49" charset="0"/>
-              </a:rPr>
-              <a:t>menuconfig</a:t>
-            </a:r>
-            <a:endParaRPr lang="en-US" sz="1350" dirty="0" smtClean="0">
-              <a:solidFill>
-                <a:srgbClr val="7030A0"/>
-              </a:solidFill>
-              <a:latin typeface="Consolas" panose="020B0609020204030204" pitchFamily="49" charset="0"/>
-              <a:cs typeface="Consolas" panose="020B0609020204030204" pitchFamily="49" charset="0"/>
-            </a:endParaRPr>
-          </a:p>
-        </p:txBody>
-      </p:sp>
-      <p:sp>
-        <p:nvSpPr>
-          <p:cNvPr id="5" name="TextBox 4"/>
-          <p:cNvSpPr txBox="1"/>
-          <p:nvPr/>
-        </p:nvSpPr>
-        <p:spPr>
-          <a:xfrm>
-            <a:off x="1262644" y="3403161"/>
-            <a:ext cx="7088800" cy="300082"/>
-          </a:xfrm>
-          <a:prstGeom prst="rect">
-            <a:avLst/>
-          </a:prstGeom>
-          <a:noFill/>
-        </p:spPr>
-        <p:txBody>
-          <a:bodyPr wrap="none" rtlCol="0">
-            <a:spAutoFit/>
-          </a:bodyPr>
-          <a:lstStyle/>
-          <a:p>
-            <a:r>
-              <a:rPr lang="en-US" sz="1350" dirty="0" smtClean="0">
-                <a:solidFill>
-                  <a:srgbClr val="7030A0"/>
-                </a:solidFill>
-                <a:latin typeface="Consolas" panose="020B0609020204030204" pitchFamily="49" charset="0"/>
-                <a:cs typeface="Consolas" panose="020B0609020204030204" pitchFamily="49" charset="0"/>
-              </a:rPr>
-              <a:t>System configuration =&gt; Run a </a:t>
-            </a:r>
-            <a:r>
-              <a:rPr lang="en-US" sz="1350" dirty="0" err="1" smtClean="0">
-                <a:solidFill>
-                  <a:srgbClr val="7030A0"/>
-                </a:solidFill>
-                <a:latin typeface="Consolas" panose="020B0609020204030204" pitchFamily="49" charset="0"/>
-                <a:cs typeface="Consolas" panose="020B0609020204030204" pitchFamily="49" charset="0"/>
-              </a:rPr>
-              <a:t>getty</a:t>
-            </a:r>
-            <a:r>
-              <a:rPr lang="en-US" sz="1350" dirty="0" smtClean="0">
-                <a:solidFill>
-                  <a:srgbClr val="7030A0"/>
-                </a:solidFill>
-                <a:latin typeface="Consolas" panose="020B0609020204030204" pitchFamily="49" charset="0"/>
-                <a:cs typeface="Consolas" panose="020B0609020204030204" pitchFamily="49" charset="0"/>
-              </a:rPr>
-              <a:t> (login prompt) after =&gt; </a:t>
-            </a:r>
-            <a:r>
-              <a:rPr lang="en-US" sz="1350" dirty="0" err="1" smtClean="0">
-                <a:solidFill>
-                  <a:srgbClr val="7030A0"/>
-                </a:solidFill>
-                <a:latin typeface="Consolas" panose="020B0609020204030204" pitchFamily="49" charset="0"/>
-                <a:cs typeface="Consolas" panose="020B0609020204030204" pitchFamily="49" charset="0"/>
-              </a:rPr>
-              <a:t>getty</a:t>
-            </a:r>
-            <a:r>
-              <a:rPr lang="en-US" sz="1350" dirty="0" smtClean="0">
-                <a:solidFill>
-                  <a:srgbClr val="7030A0"/>
-                </a:solidFill>
-                <a:latin typeface="Consolas" panose="020B0609020204030204" pitchFamily="49" charset="0"/>
-                <a:cs typeface="Consolas" panose="020B0609020204030204" pitchFamily="49" charset="0"/>
-              </a:rPr>
-              <a:t> options</a:t>
-            </a:r>
-          </a:p>
-        </p:txBody>
-      </p:sp>
-      <p:pic>
-        <p:nvPicPr>
-          <p:cNvPr id="6" name="Picture 5"/>
-          <p:cNvPicPr>
-            <a:picLocks noChangeAspect="1"/>
-          </p:cNvPicPr>
-          <p:nvPr/>
-        </p:nvPicPr>
-        <p:blipFill>
-          <a:blip r:embed="rId2"/>
-          <a:stretch>
-            <a:fillRect/>
-          </a:stretch>
-        </p:blipFill>
-        <p:spPr>
-          <a:xfrm>
-            <a:off x="3273519" y="5506202"/>
-            <a:ext cx="3067050" cy="781050"/>
-          </a:xfrm>
-          <a:prstGeom prst="rect">
-            <a:avLst/>
-          </a:prstGeom>
-        </p:spPr>
-      </p:pic>
-      <p:sp>
-        <p:nvSpPr>
-          <p:cNvPr id="7" name="TextBox 6"/>
-          <p:cNvSpPr txBox="1"/>
-          <p:nvPr/>
-        </p:nvSpPr>
-        <p:spPr>
-          <a:xfrm>
-            <a:off x="3141865" y="4304640"/>
-            <a:ext cx="846707" cy="300082"/>
-          </a:xfrm>
-          <a:prstGeom prst="rect">
-            <a:avLst/>
-          </a:prstGeom>
-          <a:noFill/>
-        </p:spPr>
-        <p:txBody>
-          <a:bodyPr wrap="none" rtlCol="0">
-            <a:spAutoFit/>
-          </a:bodyPr>
-          <a:lstStyle/>
-          <a:p>
-            <a:r>
-              <a:rPr lang="en-US" sz="1350" dirty="0" smtClean="0">
-                <a:solidFill>
-                  <a:srgbClr val="7030A0"/>
-                </a:solidFill>
-                <a:latin typeface="Consolas" panose="020B0609020204030204" pitchFamily="49" charset="0"/>
-                <a:cs typeface="Consolas" panose="020B0609020204030204" pitchFamily="49" charset="0"/>
-              </a:rPr>
-              <a:t>ttyAMA0</a:t>
+              <a:t>System Configuration</a:t>
             </a:r>
           </a:p>
         </p:txBody>
@@ -11873,7 +12707,7 @@
     </p:spTree>
     <p:extLst>
       <p:ext uri="{BB962C8B-B14F-4D97-AF65-F5344CB8AC3E}">
-        <p14:creationId xmlns:p14="http://schemas.microsoft.com/office/powerpoint/2010/main" val="92509542"/>
+        <p14:creationId xmlns:p14="http://schemas.microsoft.com/office/powerpoint/2010/main" val="2716267677"/>
       </p:ext>
     </p:extLst>
   </p:cSld>
@@ -11923,6 +12757,509 @@
           <a:lstStyle/>
           <a:p>
             <a:r>
+              <a:rPr lang="en-US" dirty="0"/>
+              <a:t>Adding an SSH daemon</a:t>
+            </a:r>
+          </a:p>
+        </p:txBody>
+      </p:sp>
+      <p:sp>
+        <p:nvSpPr>
+          <p:cNvPr id="3" name="Content Placeholder 2"/>
+          <p:cNvSpPr>
+            <a:spLocks noGrp="1"/>
+          </p:cNvSpPr>
+          <p:nvPr>
+            <p:ph idx="1"/>
+          </p:nvPr>
+        </p:nvSpPr>
+        <p:spPr/>
+        <p:txBody>
+          <a:bodyPr/>
+          <a:lstStyle/>
+          <a:p>
+            <a:r>
+              <a:rPr lang="en-US" dirty="0" smtClean="0"/>
+              <a:t>Save the configuration and issue a make command</a:t>
+            </a:r>
+          </a:p>
+          <a:p>
+            <a:endParaRPr lang="en-US" dirty="0"/>
+          </a:p>
+          <a:p>
+            <a:r>
+              <a:rPr lang="en-US" dirty="0" smtClean="0"/>
+              <a:t>Execute the sdcard.sh shell script</a:t>
+            </a:r>
+          </a:p>
+          <a:p>
+            <a:endParaRPr lang="en-US" dirty="0"/>
+          </a:p>
+          <a:p>
+            <a:endParaRPr lang="en-US" dirty="0" smtClean="0"/>
+          </a:p>
+          <a:p>
+            <a:r>
+              <a:rPr lang="en-US" dirty="0" smtClean="0"/>
+              <a:t>Write the image to the SD card and reboot the Pi</a:t>
+            </a:r>
+          </a:p>
+          <a:p>
+            <a:pPr lvl="1"/>
+            <a:endParaRPr lang="en-US" dirty="0"/>
+          </a:p>
+        </p:txBody>
+      </p:sp>
+      <p:sp>
+        <p:nvSpPr>
+          <p:cNvPr id="4" name="TextBox 3"/>
+          <p:cNvSpPr txBox="1"/>
+          <p:nvPr/>
+        </p:nvSpPr>
+        <p:spPr>
+          <a:xfrm>
+            <a:off x="1815094" y="1991640"/>
+            <a:ext cx="752129" cy="300082"/>
+          </a:xfrm>
+          <a:prstGeom prst="rect">
+            <a:avLst/>
+          </a:prstGeom>
+          <a:noFill/>
+        </p:spPr>
+        <p:txBody>
+          <a:bodyPr wrap="none" rtlCol="0">
+            <a:spAutoFit/>
+          </a:bodyPr>
+          <a:lstStyle/>
+          <a:p>
+            <a:r>
+              <a:rPr lang="en-US" sz="1350" dirty="0" smtClean="0">
+                <a:solidFill>
+                  <a:srgbClr val="7030A0"/>
+                </a:solidFill>
+                <a:latin typeface="Consolas" panose="020B0609020204030204" pitchFamily="49" charset="0"/>
+                <a:cs typeface="Consolas" panose="020B0609020204030204" pitchFamily="49" charset="0"/>
+              </a:rPr>
+              <a:t>$ make</a:t>
+            </a:r>
+          </a:p>
+        </p:txBody>
+      </p:sp>
+      <p:sp>
+        <p:nvSpPr>
+          <p:cNvPr id="7" name="TextBox 6"/>
+          <p:cNvSpPr txBox="1"/>
+          <p:nvPr/>
+        </p:nvSpPr>
+        <p:spPr>
+          <a:xfrm>
+            <a:off x="1815094" y="2770436"/>
+            <a:ext cx="1414170" cy="300082"/>
+          </a:xfrm>
+          <a:prstGeom prst="rect">
+            <a:avLst/>
+          </a:prstGeom>
+          <a:noFill/>
+        </p:spPr>
+        <p:txBody>
+          <a:bodyPr wrap="none" rtlCol="0">
+            <a:spAutoFit/>
+          </a:bodyPr>
+          <a:lstStyle/>
+          <a:p>
+            <a:r>
+              <a:rPr lang="en-US" sz="1350" dirty="0" smtClean="0">
+                <a:solidFill>
+                  <a:srgbClr val="7030A0"/>
+                </a:solidFill>
+                <a:latin typeface="Consolas" panose="020B0609020204030204" pitchFamily="49" charset="0"/>
+                <a:cs typeface="Consolas" panose="020B0609020204030204" pitchFamily="49" charset="0"/>
+              </a:rPr>
+              <a:t>$ ~/sdcard.sh</a:t>
+            </a:r>
+          </a:p>
+        </p:txBody>
+      </p:sp>
+    </p:spTree>
+    <p:extLst>
+      <p:ext uri="{BB962C8B-B14F-4D97-AF65-F5344CB8AC3E}">
+        <p14:creationId xmlns:p14="http://schemas.microsoft.com/office/powerpoint/2010/main" val="3963292770"/>
+      </p:ext>
+    </p:extLst>
+  </p:cSld>
+  <p:clrMapOvr>
+    <a:masterClrMapping/>
+  </p:clrMapOvr>
+  <p:timing>
+    <p:tnLst>
+      <p:par>
+        <p:cTn id="1" dur="indefinite" restart="never" nodeType="tmRoot"/>
+      </p:par>
+    </p:tnLst>
+  </p:timing>
+</p:sld>
+</file>
+
+<file path=ppt/slides/slide34.xml><?xml version="1.0" encoding="utf-8"?>
+<p:sld xmlns:a="http://schemas.openxmlformats.org/drawingml/2006/main" xmlns:r="http://schemas.openxmlformats.org/officeDocument/2006/relationships" xmlns:p="http://schemas.openxmlformats.org/presentationml/2006/main">
+  <p:cSld>
+    <p:spTree>
+      <p:nvGrpSpPr>
+        <p:cNvPr id="1" name=""/>
+        <p:cNvGrpSpPr/>
+        <p:nvPr/>
+      </p:nvGrpSpPr>
+      <p:grpSpPr>
+        <a:xfrm>
+          <a:off x="0" y="0"/>
+          <a:ext cx="0" cy="0"/>
+          <a:chOff x="0" y="0"/>
+          <a:chExt cx="0" cy="0"/>
+        </a:xfrm>
+      </p:grpSpPr>
+      <p:sp>
+        <p:nvSpPr>
+          <p:cNvPr id="2" name="Title 1"/>
+          <p:cNvSpPr>
+            <a:spLocks noGrp="1"/>
+          </p:cNvSpPr>
+          <p:nvPr>
+            <p:ph type="title"/>
+          </p:nvPr>
+        </p:nvSpPr>
+        <p:spPr/>
+        <p:txBody>
+          <a:bodyPr/>
+          <a:lstStyle/>
+          <a:p>
+            <a:r>
+              <a:rPr lang="en-US" dirty="0"/>
+              <a:t>Spawning a </a:t>
+            </a:r>
+            <a:r>
+              <a:rPr lang="en-US" dirty="0" err="1"/>
+              <a:t>getty</a:t>
+            </a:r>
+            <a:r>
+              <a:rPr lang="en-US" dirty="0"/>
+              <a:t> on the serial </a:t>
+            </a:r>
+            <a:r>
+              <a:rPr lang="en-US" dirty="0" smtClean="0"/>
+              <a:t>line</a:t>
+            </a:r>
+            <a:endParaRPr lang="en-US" dirty="0"/>
+          </a:p>
+        </p:txBody>
+      </p:sp>
+      <p:sp>
+        <p:nvSpPr>
+          <p:cNvPr id="3" name="Content Placeholder 2"/>
+          <p:cNvSpPr>
+            <a:spLocks noGrp="1"/>
+          </p:cNvSpPr>
+          <p:nvPr>
+            <p:ph idx="1"/>
+          </p:nvPr>
+        </p:nvSpPr>
+        <p:spPr/>
+        <p:txBody>
+          <a:bodyPr/>
+          <a:lstStyle/>
+          <a:p>
+            <a:r>
+              <a:rPr lang="en-US" dirty="0" smtClean="0"/>
+              <a:t>To spawn a console to the serial line (necessary for debugging) you need to configure </a:t>
+            </a:r>
+            <a:r>
+              <a:rPr lang="en-US" dirty="0" err="1" smtClean="0"/>
+              <a:t>Buildroot</a:t>
+            </a:r>
+            <a:endParaRPr lang="en-US" dirty="0" smtClean="0"/>
+          </a:p>
+          <a:p>
+            <a:endParaRPr lang="en-US" dirty="0"/>
+          </a:p>
+          <a:p>
+            <a:endParaRPr lang="en-US" dirty="0" smtClean="0"/>
+          </a:p>
+          <a:p>
+            <a:r>
+              <a:rPr lang="en-US" dirty="0" smtClean="0"/>
+              <a:t>Navigate to</a:t>
+            </a:r>
+          </a:p>
+          <a:p>
+            <a:endParaRPr lang="en-US" dirty="0"/>
+          </a:p>
+          <a:p>
+            <a:endParaRPr lang="en-US" dirty="0" smtClean="0"/>
+          </a:p>
+          <a:p>
+            <a:r>
+              <a:rPr lang="en-US" dirty="0" smtClean="0"/>
+              <a:t>and change the “TTY port” to</a:t>
+            </a:r>
+          </a:p>
+          <a:p>
+            <a:endParaRPr lang="en-US" dirty="0"/>
+          </a:p>
+          <a:p>
+            <a:endParaRPr lang="en-US" dirty="0" smtClean="0"/>
+          </a:p>
+          <a:p>
+            <a:r>
+              <a:rPr lang="en-US" dirty="0" smtClean="0"/>
+              <a:t>which is the name of the serial port on the Raspberry Pi</a:t>
+            </a:r>
+          </a:p>
+          <a:p>
+            <a:endParaRPr lang="en-US" dirty="0"/>
+          </a:p>
+          <a:p>
+            <a:endParaRPr lang="en-US" dirty="0"/>
+          </a:p>
+        </p:txBody>
+      </p:sp>
+      <p:sp>
+        <p:nvSpPr>
+          <p:cNvPr id="4" name="TextBox 3"/>
+          <p:cNvSpPr txBox="1"/>
+          <p:nvPr/>
+        </p:nvSpPr>
+        <p:spPr>
+          <a:xfrm>
+            <a:off x="2196094" y="2426661"/>
+            <a:ext cx="1792478" cy="300082"/>
+          </a:xfrm>
+          <a:prstGeom prst="rect">
+            <a:avLst/>
+          </a:prstGeom>
+          <a:noFill/>
+        </p:spPr>
+        <p:txBody>
+          <a:bodyPr wrap="none" rtlCol="0">
+            <a:spAutoFit/>
+          </a:bodyPr>
+          <a:lstStyle/>
+          <a:p>
+            <a:r>
+              <a:rPr lang="en-US" sz="1350" dirty="0" smtClean="0">
+                <a:solidFill>
+                  <a:srgbClr val="7030A0"/>
+                </a:solidFill>
+                <a:latin typeface="Consolas" panose="020B0609020204030204" pitchFamily="49" charset="0"/>
+                <a:cs typeface="Consolas" panose="020B0609020204030204" pitchFamily="49" charset="0"/>
+              </a:rPr>
+              <a:t>$ make </a:t>
+            </a:r>
+            <a:r>
+              <a:rPr lang="en-US" sz="1350" dirty="0" err="1" smtClean="0">
+                <a:solidFill>
+                  <a:srgbClr val="7030A0"/>
+                </a:solidFill>
+                <a:latin typeface="Consolas" panose="020B0609020204030204" pitchFamily="49" charset="0"/>
+                <a:cs typeface="Consolas" panose="020B0609020204030204" pitchFamily="49" charset="0"/>
+              </a:rPr>
+              <a:t>menuconfig</a:t>
+            </a:r>
+            <a:endParaRPr lang="en-US" sz="1350" dirty="0" smtClean="0">
+              <a:solidFill>
+                <a:srgbClr val="7030A0"/>
+              </a:solidFill>
+              <a:latin typeface="Consolas" panose="020B0609020204030204" pitchFamily="49" charset="0"/>
+              <a:cs typeface="Consolas" panose="020B0609020204030204" pitchFamily="49" charset="0"/>
+            </a:endParaRPr>
+          </a:p>
+        </p:txBody>
+      </p:sp>
+      <p:sp>
+        <p:nvSpPr>
+          <p:cNvPr id="5" name="TextBox 4"/>
+          <p:cNvSpPr txBox="1"/>
+          <p:nvPr/>
+        </p:nvSpPr>
+        <p:spPr>
+          <a:xfrm>
+            <a:off x="1262644" y="3403161"/>
+            <a:ext cx="7088800" cy="300082"/>
+          </a:xfrm>
+          <a:prstGeom prst="rect">
+            <a:avLst/>
+          </a:prstGeom>
+          <a:noFill/>
+        </p:spPr>
+        <p:txBody>
+          <a:bodyPr wrap="none" rtlCol="0">
+            <a:spAutoFit/>
+          </a:bodyPr>
+          <a:lstStyle/>
+          <a:p>
+            <a:r>
+              <a:rPr lang="en-US" sz="1350" dirty="0" smtClean="0">
+                <a:solidFill>
+                  <a:srgbClr val="7030A0"/>
+                </a:solidFill>
+                <a:latin typeface="Consolas" panose="020B0609020204030204" pitchFamily="49" charset="0"/>
+                <a:cs typeface="Consolas" panose="020B0609020204030204" pitchFamily="49" charset="0"/>
+              </a:rPr>
+              <a:t>System configuration =&gt; Run a </a:t>
+            </a:r>
+            <a:r>
+              <a:rPr lang="en-US" sz="1350" dirty="0" err="1" smtClean="0">
+                <a:solidFill>
+                  <a:srgbClr val="7030A0"/>
+                </a:solidFill>
+                <a:latin typeface="Consolas" panose="020B0609020204030204" pitchFamily="49" charset="0"/>
+                <a:cs typeface="Consolas" panose="020B0609020204030204" pitchFamily="49" charset="0"/>
+              </a:rPr>
+              <a:t>getty</a:t>
+            </a:r>
+            <a:r>
+              <a:rPr lang="en-US" sz="1350" dirty="0" smtClean="0">
+                <a:solidFill>
+                  <a:srgbClr val="7030A0"/>
+                </a:solidFill>
+                <a:latin typeface="Consolas" panose="020B0609020204030204" pitchFamily="49" charset="0"/>
+                <a:cs typeface="Consolas" panose="020B0609020204030204" pitchFamily="49" charset="0"/>
+              </a:rPr>
+              <a:t> (login prompt) after =&gt; </a:t>
+            </a:r>
+            <a:r>
+              <a:rPr lang="en-US" sz="1350" dirty="0" err="1" smtClean="0">
+                <a:solidFill>
+                  <a:srgbClr val="7030A0"/>
+                </a:solidFill>
+                <a:latin typeface="Consolas" panose="020B0609020204030204" pitchFamily="49" charset="0"/>
+                <a:cs typeface="Consolas" panose="020B0609020204030204" pitchFamily="49" charset="0"/>
+              </a:rPr>
+              <a:t>getty</a:t>
+            </a:r>
+            <a:r>
+              <a:rPr lang="en-US" sz="1350" dirty="0" smtClean="0">
+                <a:solidFill>
+                  <a:srgbClr val="7030A0"/>
+                </a:solidFill>
+                <a:latin typeface="Consolas" panose="020B0609020204030204" pitchFamily="49" charset="0"/>
+                <a:cs typeface="Consolas" panose="020B0609020204030204" pitchFamily="49" charset="0"/>
+              </a:rPr>
+              <a:t> options</a:t>
+            </a:r>
+          </a:p>
+        </p:txBody>
+      </p:sp>
+      <p:pic>
+        <p:nvPicPr>
+          <p:cNvPr id="6" name="Picture 5"/>
+          <p:cNvPicPr>
+            <a:picLocks noChangeAspect="1"/>
+          </p:cNvPicPr>
+          <p:nvPr/>
+        </p:nvPicPr>
+        <p:blipFill>
+          <a:blip r:embed="rId2"/>
+          <a:stretch>
+            <a:fillRect/>
+          </a:stretch>
+        </p:blipFill>
+        <p:spPr>
+          <a:xfrm>
+            <a:off x="3273519" y="5506202"/>
+            <a:ext cx="3067050" cy="781050"/>
+          </a:xfrm>
+          <a:prstGeom prst="rect">
+            <a:avLst/>
+          </a:prstGeom>
+        </p:spPr>
+      </p:pic>
+      <p:sp>
+        <p:nvSpPr>
+          <p:cNvPr id="7" name="TextBox 6"/>
+          <p:cNvSpPr txBox="1"/>
+          <p:nvPr/>
+        </p:nvSpPr>
+        <p:spPr>
+          <a:xfrm>
+            <a:off x="3141865" y="4304640"/>
+            <a:ext cx="846707" cy="300082"/>
+          </a:xfrm>
+          <a:prstGeom prst="rect">
+            <a:avLst/>
+          </a:prstGeom>
+          <a:noFill/>
+        </p:spPr>
+        <p:txBody>
+          <a:bodyPr wrap="none" rtlCol="0">
+            <a:spAutoFit/>
+          </a:bodyPr>
+          <a:lstStyle/>
+          <a:p>
+            <a:r>
+              <a:rPr lang="en-US" sz="1350" dirty="0" smtClean="0">
+                <a:solidFill>
+                  <a:srgbClr val="7030A0"/>
+                </a:solidFill>
+                <a:latin typeface="Consolas" panose="020B0609020204030204" pitchFamily="49" charset="0"/>
+                <a:cs typeface="Consolas" panose="020B0609020204030204" pitchFamily="49" charset="0"/>
+              </a:rPr>
+              <a:t>ttyAMA0</a:t>
+            </a:r>
+          </a:p>
+        </p:txBody>
+      </p:sp>
+    </p:spTree>
+    <p:extLst>
+      <p:ext uri="{BB962C8B-B14F-4D97-AF65-F5344CB8AC3E}">
+        <p14:creationId xmlns:p14="http://schemas.microsoft.com/office/powerpoint/2010/main" val="92509542"/>
+      </p:ext>
+    </p:extLst>
+  </p:cSld>
+  <p:clrMapOvr>
+    <a:masterClrMapping/>
+  </p:clrMapOvr>
+  <p:timing>
+    <p:tnLst>
+      <p:par>
+        <p:cTn id="1" dur="indefinite" restart="never" nodeType="tmRoot"/>
+      </p:par>
+    </p:tnLst>
+  </p:timing>
+</p:sld>
+</file>
+
+<file path=ppt/slides/slide35.xml><?xml version="1.0" encoding="utf-8"?>
+<p:sld xmlns:a="http://schemas.openxmlformats.org/drawingml/2006/main" xmlns:r="http://schemas.openxmlformats.org/officeDocument/2006/relationships" xmlns:p="http://schemas.openxmlformats.org/presentationml/2006/main">
+  <p:cSld>
+    <p:spTree>
+      <p:nvGrpSpPr>
+        <p:cNvPr id="1" name=""/>
+        <p:cNvGrpSpPr/>
+        <p:nvPr/>
+      </p:nvGrpSpPr>
+      <p:grpSpPr>
+        <a:xfrm>
+          <a:off x="0" y="0"/>
+          <a:ext cx="0" cy="0"/>
+          <a:chOff x="0" y="0"/>
+          <a:chExt cx="0" cy="0"/>
+        </a:xfrm>
+      </p:grpSpPr>
+      <p:sp>
+        <p:nvSpPr>
+          <p:cNvPr id="2" name="Title 1"/>
+          <p:cNvSpPr>
+            <a:spLocks noGrp="1"/>
+          </p:cNvSpPr>
+          <p:nvPr>
+            <p:ph type="title"/>
+          </p:nvPr>
+        </p:nvSpPr>
+        <p:spPr/>
+        <p:txBody>
+          <a:bodyPr/>
+          <a:lstStyle/>
+          <a:p>
+            <a:r>
               <a:rPr lang="en-US" dirty="0" smtClean="0"/>
               <a:t>Problems ?</a:t>
             </a:r>
@@ -12066,7 +13403,7 @@
 </p:sld>
 </file>
 
-<file path=ppt/slides/slide34.xml><?xml version="1.0" encoding="utf-8"?>
+<file path=ppt/slides/slide36.xml><?xml version="1.0" encoding="utf-8"?>
 <p:sld xmlns:a="http://schemas.openxmlformats.org/drawingml/2006/main" xmlns:r="http://schemas.openxmlformats.org/officeDocument/2006/relationships" xmlns:p="http://schemas.openxmlformats.org/presentationml/2006/main">
   <p:cSld>
     <p:spTree>
@@ -12149,7 +13486,7 @@
 </p:sld>
 </file>
 
-<file path=ppt/slides/slide35.xml><?xml version="1.0" encoding="utf-8"?>
+<file path=ppt/slides/slide37.xml><?xml version="1.0" encoding="utf-8"?>
 <p:sld xmlns:a="http://schemas.openxmlformats.org/drawingml/2006/main" xmlns:r="http://schemas.openxmlformats.org/officeDocument/2006/relationships" xmlns:p="http://schemas.openxmlformats.org/presentationml/2006/main">
   <p:cSld>
     <p:spTree>
